--- a/0123AverageOfGrade_Design/AveraeOfgrade_Design2.pptx
+++ b/0123AverageOfGrade_Design/AveraeOfgrade_Design2.pptx
@@ -5,12 +5,13 @@
     <p:sldMasterId id="2147483648" r:id="rId1"/>
   </p:sldMasterIdLst>
   <p:notesMasterIdLst>
-    <p:notesMasterId r:id="rId5"/>
+    <p:notesMasterId r:id="rId6"/>
   </p:notesMasterIdLst>
   <p:sldIdLst>
     <p:sldId id="256" r:id="rId2"/>
     <p:sldId id="259" r:id="rId3"/>
-    <p:sldId id="257" r:id="rId4"/>
+    <p:sldId id="260" r:id="rId4"/>
+    <p:sldId id="257" r:id="rId5"/>
   </p:sldIdLst>
   <p:sldSz cx="14401800" cy="6858000"/>
   <p:notesSz cx="6858000" cy="9144000"/>
@@ -709,6 +710,93 @@
               <a:rPr lang="ko-KR" altLang="en-US" smtClean="0"/>
               <a:pPr/>
               <a:t>3</a:t>
+            </a:fld>
+            <a:endParaRPr lang="ko-KR" altLang="en-US"/>
+          </a:p>
+        </p:txBody>
+      </p:sp>
+    </p:spTree>
+  </p:cSld>
+  <p:clrMapOvr>
+    <a:masterClrMapping/>
+  </p:clrMapOvr>
+</p:notes>
+</file>
+
+<file path=ppt/notesSlides/notesSlide4.xml><?xml version="1.0" encoding="utf-8"?>
+<p:notes xmlns:a="http://schemas.openxmlformats.org/drawingml/2006/main" xmlns:r="http://schemas.openxmlformats.org/officeDocument/2006/relationships" xmlns:p="http://schemas.openxmlformats.org/presentationml/2006/main">
+  <p:cSld>
+    <p:spTree>
+      <p:nvGrpSpPr>
+        <p:cNvPr id="1" name=""/>
+        <p:cNvGrpSpPr/>
+        <p:nvPr/>
+      </p:nvGrpSpPr>
+      <p:grpSpPr>
+        <a:xfrm>
+          <a:off x="0" y="0"/>
+          <a:ext cx="0" cy="0"/>
+          <a:chOff x="0" y="0"/>
+          <a:chExt cx="0" cy="0"/>
+        </a:xfrm>
+      </p:grpSpPr>
+      <p:sp>
+        <p:nvSpPr>
+          <p:cNvPr id="2" name="슬라이드 이미지 개체 틀 1"/>
+          <p:cNvSpPr>
+            <a:spLocks noGrp="1" noRot="1" noChangeAspect="1"/>
+          </p:cNvSpPr>
+          <p:nvPr>
+            <p:ph type="sldImg"/>
+          </p:nvPr>
+        </p:nvSpPr>
+        <p:spPr>
+          <a:xfrm>
+            <a:off x="-171450" y="685800"/>
+            <a:ext cx="7200900" cy="3429000"/>
+          </a:xfrm>
+        </p:spPr>
+      </p:sp>
+      <p:sp>
+        <p:nvSpPr>
+          <p:cNvPr id="3" name="슬라이드 노트 개체 틀 2"/>
+          <p:cNvSpPr>
+            <a:spLocks noGrp="1"/>
+          </p:cNvSpPr>
+          <p:nvPr>
+            <p:ph type="body" idx="1"/>
+          </p:nvPr>
+        </p:nvSpPr>
+        <p:spPr/>
+        <p:txBody>
+          <a:bodyPr>
+            <a:normAutofit/>
+          </a:bodyPr>
+          <a:lstStyle/>
+          <a:p>
+            <a:endParaRPr lang="ko-KR" altLang="en-US"/>
+          </a:p>
+        </p:txBody>
+      </p:sp>
+      <p:sp>
+        <p:nvSpPr>
+          <p:cNvPr id="4" name="슬라이드 번호 개체 틀 3"/>
+          <p:cNvSpPr>
+            <a:spLocks noGrp="1"/>
+          </p:cNvSpPr>
+          <p:nvPr>
+            <p:ph type="sldNum" sz="quarter" idx="10"/>
+          </p:nvPr>
+        </p:nvSpPr>
+        <p:spPr/>
+        <p:txBody>
+          <a:bodyPr/>
+          <a:lstStyle/>
+          <a:p>
+            <a:fld id="{C9829D4A-56D9-43DB-B733-7D1CE7A5D39A}" type="slidenum">
+              <a:rPr lang="ko-KR" altLang="en-US" smtClean="0"/>
+              <a:pPr/>
+              <a:t>4</a:t>
             </a:fld>
             <a:endParaRPr lang="ko-KR" altLang="en-US"/>
           </a:p>
@@ -3683,7 +3771,7 @@
         <p:grpSpPr>
           <a:xfrm>
             <a:off x="6192786" y="116636"/>
-            <a:ext cx="5688634" cy="6480720"/>
+            <a:ext cx="7632850" cy="6480720"/>
             <a:chOff x="4903492" y="1471097"/>
             <a:chExt cx="1837130" cy="892428"/>
           </a:xfrm>
@@ -3798,7 +3886,7 @@
         </p:nvSpPr>
         <p:spPr>
           <a:xfrm>
-            <a:off x="12097444" y="548680"/>
+            <a:off x="12097444" y="980728"/>
             <a:ext cx="1143262" cy="1107996"/>
           </a:xfrm>
           <a:prstGeom prst="rect">
@@ -3874,7 +3962,7 @@
         <p:spPr>
           <a:xfrm>
             <a:off x="12050617" y="1"/>
-            <a:ext cx="2268570" cy="430887"/>
+            <a:ext cx="2268570" cy="938719"/>
           </a:xfrm>
           <a:prstGeom prst="rect">
             <a:avLst/>
@@ -3895,8 +3983,31 @@
           <a:p>
             <a:r>
               <a:rPr lang="en-US" altLang="ko-KR" sz="1100" smtClean="0"/>
-              <a:t>fSumArr[3] of Int</a:t>
-            </a:r>
+              <a:t>fSumArr[3] of </a:t>
+            </a:r>
+            <a:r>
+              <a:rPr lang="en-US" altLang="ko-KR" sz="1100" smtClean="0"/>
+              <a:t>Int</a:t>
+            </a:r>
+          </a:p>
+          <a:p>
+            <a:r>
+              <a:rPr lang="en-US" altLang="ko-KR" sz="1100" smtClean="0"/>
+              <a:t>[0] = 0</a:t>
+            </a:r>
+          </a:p>
+          <a:p>
+            <a:r>
+              <a:rPr lang="en-US" altLang="ko-KR" sz="1100" smtClean="0"/>
+              <a:t>[1] = 0</a:t>
+            </a:r>
+          </a:p>
+          <a:p>
+            <a:r>
+              <a:rPr lang="en-US" altLang="ko-KR" sz="1100" smtClean="0"/>
+              <a:t>[2] = 0</a:t>
+            </a:r>
+            <a:endParaRPr lang="en-US" altLang="ko-KR" sz="1100" smtClean="0"/>
           </a:p>
         </p:txBody>
       </p:sp>
@@ -3909,9 +4020,9 @@
         <p:grpSpPr>
           <a:xfrm>
             <a:off x="72109" y="116632"/>
-            <a:ext cx="5832648" cy="6408713"/>
+            <a:ext cx="5832648" cy="6741368"/>
             <a:chOff x="4637386" y="1245452"/>
-            <a:chExt cx="3158855" cy="3042925"/>
+            <a:chExt cx="3158855" cy="3200873"/>
           </a:xfrm>
         </p:grpSpPr>
         <p:sp>
@@ -3923,7 +4034,7 @@
           <p:spPr>
             <a:xfrm rot="10800000" flipV="1">
               <a:off x="4637386" y="1382213"/>
-              <a:ext cx="3158855" cy="2906164"/>
+              <a:ext cx="3158855" cy="3064112"/>
             </a:xfrm>
             <a:prstGeom prst="rect">
               <a:avLst/>
@@ -4165,8 +4276,8 @@
         </p:nvSpPr>
         <p:spPr>
           <a:xfrm rot="10800000" flipV="1">
-            <a:off x="2288772" y="900856"/>
-            <a:ext cx="1039738" cy="223888"/>
+            <a:off x="1944774" y="1052736"/>
+            <a:ext cx="1727734" cy="360040"/>
           </a:xfrm>
           <a:prstGeom prst="rect">
             <a:avLst/>
@@ -4200,7 +4311,31 @@
                   <a:schemeClr val="tx1"/>
                 </a:solidFill>
               </a:rPr>
-              <a:t>aIndex = -1</a:t>
+              <a:t>aChoiceOper : True</a:t>
+            </a:r>
+            <a:endParaRPr lang="en-US" altLang="ko-KR" sz="1000" smtClean="0">
+              <a:solidFill>
+                <a:schemeClr val="tx1"/>
+              </a:solidFill>
+            </a:endParaRPr>
+          </a:p>
+          <a:p>
+            <a:pPr algn="ctr"/>
+            <a:r>
+              <a:rPr lang="en-US" altLang="ko-KR" sz="1000" smtClean="0">
+                <a:solidFill>
+                  <a:schemeClr val="tx1"/>
+                </a:solidFill>
+              </a:rPr>
+              <a:t>aIndex </a:t>
+            </a:r>
+            <a:r>
+              <a:rPr lang="en-US" altLang="ko-KR" sz="1000" smtClean="0">
+                <a:solidFill>
+                  <a:schemeClr val="tx1"/>
+                </a:solidFill>
+              </a:rPr>
+              <a:t>= -1</a:t>
             </a:r>
             <a:endParaRPr lang="ko-KR" altLang="en-US" sz="1000" dirty="0">
               <a:solidFill>
@@ -4218,8 +4353,8 @@
         </p:nvSpPr>
         <p:spPr>
           <a:xfrm rot="10800000" flipV="1">
-            <a:off x="100534" y="4208266"/>
-            <a:ext cx="2203822" cy="372862"/>
+            <a:off x="3240460" y="3704209"/>
+            <a:ext cx="2116658" cy="372862"/>
           </a:xfrm>
           <a:prstGeom prst="rect">
             <a:avLst/>
@@ -4282,7 +4417,7 @@
         </p:nvSpPr>
         <p:spPr>
           <a:xfrm rot="10800000" flipV="1">
-            <a:off x="1296242" y="1281819"/>
+            <a:off x="1296242" y="1569851"/>
             <a:ext cx="3024338" cy="1499108"/>
           </a:xfrm>
           <a:prstGeom prst="rect">
@@ -4327,7 +4462,7 @@
         </p:nvSpPr>
         <p:spPr>
           <a:xfrm rot="10800000" flipV="1">
-            <a:off x="1296244" y="1283014"/>
+            <a:off x="1296244" y="1571046"/>
             <a:ext cx="3024336" cy="329450"/>
           </a:xfrm>
           <a:prstGeom prst="rect">
@@ -4420,7 +4555,7 @@
         </p:nvSpPr>
         <p:spPr>
           <a:xfrm>
-            <a:off x="1515664" y="1733744"/>
+            <a:off x="1515664" y="2021776"/>
             <a:ext cx="2588892" cy="408878"/>
           </a:xfrm>
           <a:prstGeom prst="flowChartDecision">
@@ -4484,7 +4619,7 @@
         </p:nvSpPr>
         <p:spPr>
           <a:xfrm>
-            <a:off x="3980418" y="1700807"/>
+            <a:off x="3980418" y="1988839"/>
             <a:ext cx="268474" cy="153888"/>
           </a:xfrm>
           <a:prstGeom prst="rect">
@@ -4514,7 +4649,7 @@
         </p:nvSpPr>
         <p:spPr>
           <a:xfrm rot="10800000" flipV="1">
-            <a:off x="3579998" y="2485030"/>
+            <a:off x="3579998" y="2773062"/>
             <a:ext cx="688452" cy="223888"/>
           </a:xfrm>
           <a:prstGeom prst="rect">
@@ -4567,7 +4702,7 @@
         </p:nvSpPr>
         <p:spPr>
           <a:xfrm>
-            <a:off x="2624839" y="2122983"/>
+            <a:off x="2624839" y="2411015"/>
             <a:ext cx="203451" cy="153888"/>
           </a:xfrm>
           <a:prstGeom prst="rect">
@@ -4597,7 +4732,7 @@
         </p:nvSpPr>
         <p:spPr>
           <a:xfrm>
-            <a:off x="2017202" y="2938004"/>
+            <a:off x="2017202" y="3226036"/>
             <a:ext cx="1572318" cy="408878"/>
           </a:xfrm>
           <a:prstGeom prst="flowChartDecision">
@@ -4653,7 +4788,7 @@
         </p:nvCxnSpPr>
         <p:spPr>
           <a:xfrm>
-            <a:off x="2808412" y="1612464"/>
+            <a:off x="2808412" y="1900496"/>
             <a:ext cx="1698" cy="121280"/>
           </a:xfrm>
           <a:prstGeom prst="straightConnector1">
@@ -4686,7 +4821,7 @@
         </p:nvSpPr>
         <p:spPr>
           <a:xfrm>
-            <a:off x="3380928" y="2928132"/>
+            <a:off x="3380928" y="3216164"/>
             <a:ext cx="203451" cy="153888"/>
           </a:xfrm>
           <a:prstGeom prst="rect">
@@ -4701,8 +4836,8 @@
           <a:lstStyle/>
           <a:p>
             <a:r>
-              <a:rPr lang="en-US" altLang="ko-KR" sz="1000" dirty="0" smtClean="0"/>
-              <a:t>No</a:t>
+              <a:rPr lang="en-US" altLang="ko-KR" sz="1000" smtClean="0"/>
+              <a:t>Yes</a:t>
             </a:r>
             <a:endParaRPr lang="ko-KR" altLang="en-US" sz="1000" dirty="0"/>
           </a:p>
@@ -4716,7 +4851,7 @@
         </p:nvSpPr>
         <p:spPr>
           <a:xfrm>
-            <a:off x="1963874" y="2924944"/>
+            <a:off x="2448372" y="3645024"/>
             <a:ext cx="268474" cy="153888"/>
           </a:xfrm>
           <a:prstGeom prst="rect">
@@ -4731,8 +4866,8 @@
           <a:lstStyle/>
           <a:p>
             <a:r>
-              <a:rPr lang="en-US" altLang="ko-KR" sz="1000" dirty="0" smtClean="0"/>
-              <a:t>Yes</a:t>
+              <a:rPr lang="en-US" altLang="ko-KR" sz="1000" smtClean="0"/>
+              <a:t>No</a:t>
             </a:r>
             <a:endParaRPr lang="ko-KR" altLang="en-US" sz="1000" dirty="0"/>
           </a:p>
@@ -4746,7 +4881,7 @@
         </p:nvSpPr>
         <p:spPr>
           <a:xfrm rot="10800000" flipV="1">
-            <a:off x="3579998" y="2132855"/>
+            <a:off x="3579998" y="2420887"/>
             <a:ext cx="688452" cy="223888"/>
           </a:xfrm>
           <a:prstGeom prst="rect">
@@ -4799,8 +4934,8 @@
         </p:nvSpPr>
         <p:spPr>
           <a:xfrm>
-            <a:off x="144119" y="404665"/>
-            <a:ext cx="1080120" cy="138499"/>
+            <a:off x="144118" y="404665"/>
+            <a:ext cx="1368150" cy="307777"/>
           </a:xfrm>
           <a:prstGeom prst="rect">
             <a:avLst/>
@@ -4813,21 +4948,32 @@
           <a:lstStyle/>
           <a:p>
             <a:r>
-              <a:rPr lang="en-US" altLang="ko-KR" sz="900" smtClean="0"/>
+              <a:rPr lang="en-US" altLang="ko-KR" sz="1000" smtClean="0"/>
               <a:t>aIndex </a:t>
             </a:r>
             <a:r>
-              <a:rPr lang="en-US" altLang="ko-KR" sz="900" dirty="0" smtClean="0"/>
+              <a:rPr lang="en-US" altLang="ko-KR" sz="1000" dirty="0" smtClean="0"/>
               <a:t>, </a:t>
             </a:r>
             <a:r>
-              <a:rPr lang="en-US" altLang="ko-KR" sz="900" dirty="0" err="1" smtClean="0"/>
+              <a:rPr lang="en-US" altLang="ko-KR" sz="1000" dirty="0" err="1" smtClean="0"/>
               <a:t>i</a:t>
             </a:r>
             <a:r>
-              <a:rPr lang="en-US" altLang="ko-KR" sz="900" smtClean="0"/>
-              <a:t>: Int</a:t>
-            </a:r>
+              <a:rPr lang="en-US" altLang="ko-KR" sz="1000" smtClean="0"/>
+              <a:t>: </a:t>
+            </a:r>
+            <a:r>
+              <a:rPr lang="en-US" altLang="ko-KR" sz="1000" smtClean="0"/>
+              <a:t>Int</a:t>
+            </a:r>
+          </a:p>
+          <a:p>
+            <a:r>
+              <a:rPr lang="en-US" altLang="ko-KR" sz="1000" smtClean="0"/>
+              <a:t>aChoiceOper : Boolean</a:t>
+            </a:r>
+            <a:endParaRPr lang="en-US" altLang="ko-KR" sz="1000" smtClean="0"/>
           </a:p>
         </p:txBody>
       </p:sp>
@@ -4842,7 +4988,7 @@
         </p:nvCxnSpPr>
         <p:spPr>
           <a:xfrm flipH="1">
-            <a:off x="3924224" y="1938183"/>
+            <a:off x="3924224" y="2226215"/>
             <a:ext cx="180332" cy="194672"/>
           </a:xfrm>
           <a:prstGeom prst="bentConnector4">
@@ -4882,7 +5028,7 @@
         <p:spPr>
           <a:xfrm flipH="1">
             <a:off x="2808641" y="764704"/>
-            <a:ext cx="1602" cy="136152"/>
+            <a:ext cx="1602" cy="288032"/>
           </a:xfrm>
           <a:prstGeom prst="straightConnector1">
             <a:avLst/>
@@ -4917,7 +5063,7 @@
         </p:nvCxnSpPr>
         <p:spPr>
           <a:xfrm flipH="1">
-            <a:off x="2808412" y="1124744"/>
+            <a:off x="2808412" y="1412776"/>
             <a:ext cx="229" cy="158270"/>
           </a:xfrm>
           <a:prstGeom prst="straightConnector1">
@@ -4950,7 +5096,7 @@
         </p:nvSpPr>
         <p:spPr>
           <a:xfrm rot="10800000" flipV="1">
-            <a:off x="1091268" y="4904869"/>
+            <a:off x="975558" y="5192901"/>
             <a:ext cx="3661360" cy="756378"/>
           </a:xfrm>
           <a:prstGeom prst="rect">
@@ -5042,7 +5188,7 @@
         </p:nvSpPr>
         <p:spPr>
           <a:xfrm rot="10800000" flipV="1">
-            <a:off x="1728292" y="5855277"/>
+            <a:off x="1612582" y="6143309"/>
             <a:ext cx="2387312" cy="219453"/>
           </a:xfrm>
           <a:prstGeom prst="rect">
@@ -5095,7 +5241,7 @@
         </p:nvSpPr>
         <p:spPr>
           <a:xfrm>
-            <a:off x="2003072" y="6218747"/>
+            <a:off x="1887362" y="6506779"/>
             <a:ext cx="1843773" cy="234589"/>
           </a:xfrm>
           <a:prstGeom prst="flowChartTerminator">
@@ -5151,7 +5297,7 @@
         </p:nvCxnSpPr>
         <p:spPr>
           <a:xfrm>
-            <a:off x="2921948" y="6074730"/>
+            <a:off x="2806238" y="6362762"/>
             <a:ext cx="3011" cy="144017"/>
           </a:xfrm>
           <a:prstGeom prst="straightConnector1">
@@ -5181,14 +5327,14 @@
           <p:cNvPr id="168" name="꺾인 연결선 167"/>
           <p:cNvCxnSpPr>
             <a:stCxn id="97" idx="3"/>
-            <a:endCxn id="175" idx="0"/>
+            <a:endCxn id="88" idx="0"/>
           </p:cNvCxnSpPr>
           <p:nvPr/>
         </p:nvCxnSpPr>
         <p:spPr>
           <a:xfrm>
-            <a:off x="3589520" y="3142443"/>
-            <a:ext cx="515035" cy="862621"/>
+            <a:off x="3589520" y="3430475"/>
+            <a:ext cx="709269" cy="273734"/>
           </a:xfrm>
           <a:prstGeom prst="bentConnector2">
             <a:avLst/>
@@ -5220,7 +5366,7 @@
         </p:nvSpPr>
         <p:spPr>
           <a:xfrm rot="10800000" flipV="1">
-            <a:off x="2376362" y="4005064"/>
+            <a:off x="1080221" y="4437112"/>
             <a:ext cx="3456386" cy="576064"/>
           </a:xfrm>
           <a:prstGeom prst="rect">
@@ -5287,117 +5433,6 @@
           </a:p>
         </p:txBody>
       </p:sp>
-      <p:sp>
-        <p:nvSpPr>
-          <p:cNvPr id="223" name="직사각형 222"/>
-          <p:cNvSpPr/>
-          <p:nvPr/>
-        </p:nvSpPr>
-        <p:spPr>
-          <a:xfrm rot="10800000" flipV="1">
-            <a:off x="216124" y="3520885"/>
-            <a:ext cx="1989720" cy="576064"/>
-          </a:xfrm>
-          <a:prstGeom prst="rect">
-            <a:avLst/>
-          </a:prstGeom>
-          <a:noFill/>
-        </p:spPr>
-        <p:style>
-          <a:lnRef idx="2">
-            <a:schemeClr val="accent1">
-              <a:shade val="50000"/>
-            </a:schemeClr>
-          </a:lnRef>
-          <a:fillRef idx="1">
-            <a:schemeClr val="accent1"/>
-          </a:fillRef>
-          <a:effectRef idx="0">
-            <a:schemeClr val="accent1"/>
-          </a:effectRef>
-          <a:fontRef idx="minor">
-            <a:schemeClr val="lt1"/>
-          </a:fontRef>
-        </p:style>
-        <p:txBody>
-          <a:bodyPr lIns="0" tIns="0" rIns="0" bIns="0" rtlCol="0" anchor="ctr"/>
-          <a:lstStyle/>
-          <a:p>
-            <a:pPr algn="ctr"/>
-            <a:r>
-              <a:rPr lang="en-US" altLang="ko-KR" sz="1000" smtClean="0">
-                <a:solidFill>
-                  <a:schemeClr val="tx1"/>
-                </a:solidFill>
-              </a:rPr>
-              <a:t>fSumArr[0]=fSumArr[0]+aKor</a:t>
-            </a:r>
-          </a:p>
-          <a:p>
-            <a:pPr algn="ctr"/>
-            <a:r>
-              <a:rPr lang="en-US" altLang="ko-KR" sz="1000" smtClean="0">
-                <a:solidFill>
-                  <a:schemeClr val="tx1"/>
-                </a:solidFill>
-              </a:rPr>
-              <a:t>fSumArr[1]=fSumArr [1]+aEmg</a:t>
-            </a:r>
-          </a:p>
-          <a:p>
-            <a:pPr algn="ctr"/>
-            <a:r>
-              <a:rPr lang="en-US" altLang="ko-KR" sz="1000" smtClean="0">
-                <a:solidFill>
-                  <a:schemeClr val="tx1"/>
-                </a:solidFill>
-              </a:rPr>
-              <a:t>ffSumArr [2]=fSumArr [2]+aMath</a:t>
-            </a:r>
-            <a:endParaRPr lang="en-US" altLang="ko-KR" sz="1000" dirty="0" smtClean="0">
-              <a:solidFill>
-                <a:schemeClr val="tx1"/>
-              </a:solidFill>
-            </a:endParaRPr>
-          </a:p>
-        </p:txBody>
-      </p:sp>
-      <p:cxnSp>
-        <p:nvCxnSpPr>
-          <p:cNvPr id="234" name="직선 화살표 연결선 233"/>
-          <p:cNvCxnSpPr>
-            <a:stCxn id="223" idx="2"/>
-            <a:endCxn id="88" idx="0"/>
-          </p:cNvCxnSpPr>
-          <p:nvPr/>
-        </p:nvCxnSpPr>
-        <p:spPr>
-          <a:xfrm flipH="1">
-            <a:off x="1202445" y="4096949"/>
-            <a:ext cx="8539" cy="111317"/>
-          </a:xfrm>
-          <a:prstGeom prst="straightConnector1">
-            <a:avLst/>
-          </a:prstGeom>
-          <a:ln>
-            <a:tailEnd type="arrow"/>
-          </a:ln>
-        </p:spPr>
-        <p:style>
-          <a:lnRef idx="1">
-            <a:schemeClr val="accent1"/>
-          </a:lnRef>
-          <a:fillRef idx="0">
-            <a:schemeClr val="accent1"/>
-          </a:fillRef>
-          <a:effectRef idx="0">
-            <a:schemeClr val="accent1"/>
-          </a:effectRef>
-          <a:fontRef idx="minor">
-            <a:schemeClr val="tx1"/>
-          </a:fontRef>
-        </p:style>
-      </p:cxnSp>
       <p:cxnSp>
         <p:nvCxnSpPr>
           <p:cNvPr id="258" name="직선 화살표 연결선 257"/>
@@ -5409,87 +5444,11 @@
         </p:nvCxnSpPr>
         <p:spPr>
           <a:xfrm flipH="1">
-            <a:off x="2803361" y="2780927"/>
+            <a:off x="2803361" y="3068959"/>
             <a:ext cx="5050" cy="157077"/>
           </a:xfrm>
           <a:prstGeom prst="straightConnector1">
             <a:avLst/>
-          </a:prstGeom>
-          <a:ln>
-            <a:tailEnd type="arrow"/>
-          </a:ln>
-        </p:spPr>
-        <p:style>
-          <a:lnRef idx="1">
-            <a:schemeClr val="accent1"/>
-          </a:lnRef>
-          <a:fillRef idx="0">
-            <a:schemeClr val="accent1"/>
-          </a:fillRef>
-          <a:effectRef idx="0">
-            <a:schemeClr val="accent1"/>
-          </a:effectRef>
-          <a:fontRef idx="minor">
-            <a:schemeClr val="tx1"/>
-          </a:fontRef>
-        </p:style>
-      </p:cxnSp>
-      <p:cxnSp>
-        <p:nvCxnSpPr>
-          <p:cNvPr id="264" name="꺾인 연결선 263"/>
-          <p:cNvCxnSpPr>
-            <a:stCxn id="88" idx="2"/>
-            <a:endCxn id="149" idx="0"/>
-          </p:cNvCxnSpPr>
-          <p:nvPr/>
-        </p:nvCxnSpPr>
-        <p:spPr>
-          <a:xfrm rot="16200000" flipH="1">
-            <a:off x="1900326" y="3883246"/>
-            <a:ext cx="323741" cy="1719503"/>
-          </a:xfrm>
-          <a:prstGeom prst="bentConnector3">
-            <a:avLst>
-              <a:gd name="adj1" fmla="val 50000"/>
-            </a:avLst>
-          </a:prstGeom>
-          <a:ln>
-            <a:tailEnd type="arrow"/>
-          </a:ln>
-        </p:spPr>
-        <p:style>
-          <a:lnRef idx="1">
-            <a:schemeClr val="accent1"/>
-          </a:lnRef>
-          <a:fillRef idx="0">
-            <a:schemeClr val="accent1"/>
-          </a:fillRef>
-          <a:effectRef idx="0">
-            <a:schemeClr val="accent1"/>
-          </a:effectRef>
-          <a:fontRef idx="minor">
-            <a:schemeClr val="tx1"/>
-          </a:fontRef>
-        </p:style>
-      </p:cxnSp>
-      <p:cxnSp>
-        <p:nvCxnSpPr>
-          <p:cNvPr id="266" name="꺾인 연결선 265"/>
-          <p:cNvCxnSpPr>
-            <a:stCxn id="175" idx="2"/>
-            <a:endCxn id="149" idx="0"/>
-          </p:cNvCxnSpPr>
-          <p:nvPr/>
-        </p:nvCxnSpPr>
-        <p:spPr>
-          <a:xfrm rot="5400000">
-            <a:off x="3351382" y="4151695"/>
-            <a:ext cx="323741" cy="1182607"/>
-          </a:xfrm>
-          <a:prstGeom prst="bentConnector3">
-            <a:avLst>
-              <a:gd name="adj1" fmla="val 50000"/>
-            </a:avLst>
           </a:prstGeom>
           <a:ln>
             <a:tailEnd type="arrow"/>
@@ -5521,7 +5480,7 @@
         </p:nvCxnSpPr>
         <p:spPr>
           <a:xfrm>
-            <a:off x="2921948" y="5661247"/>
+            <a:off x="2806238" y="5949279"/>
             <a:ext cx="0" cy="194030"/>
           </a:xfrm>
           <a:prstGeom prst="straightConnector1">
@@ -5608,7 +5567,7 @@
         <p:spPr>
           <a:xfrm>
             <a:off x="6192788" y="404664"/>
-            <a:ext cx="979755" cy="400110"/>
+            <a:ext cx="1526380" cy="553998"/>
           </a:xfrm>
           <a:prstGeom prst="rect">
             <a:avLst/>
@@ -5629,8 +5588,27 @@
           <a:p>
             <a:r>
               <a:rPr lang="en-US" altLang="ko-KR" sz="1000" smtClean="0"/>
-              <a:t>aArrLeng : Int</a:t>
-            </a:r>
+              <a:t>aArrLeng : </a:t>
+            </a:r>
+            <a:r>
+              <a:rPr lang="en-US" altLang="ko-KR" sz="1000" smtClean="0"/>
+              <a:t>Int</a:t>
+            </a:r>
+          </a:p>
+          <a:p>
+            <a:r>
+              <a:rPr lang="en-US" altLang="ko-KR" sz="1000" smtClean="0"/>
+              <a:t>aChoiceOper </a:t>
+            </a:r>
+            <a:r>
+              <a:rPr lang="en-US" altLang="ko-KR" sz="1000" smtClean="0"/>
+              <a:t>: </a:t>
+            </a:r>
+            <a:r>
+              <a:rPr lang="en-US" altLang="ko-KR" sz="1000" smtClean="0"/>
+              <a:t>Boolean</a:t>
+            </a:r>
+            <a:endParaRPr lang="en-US" altLang="ko-KR" sz="1000" smtClean="0"/>
           </a:p>
         </p:txBody>
       </p:sp>
@@ -5642,7 +5620,7 @@
         </p:nvGrpSpPr>
         <p:grpSpPr>
           <a:xfrm>
-            <a:off x="6863076" y="1700808"/>
+            <a:off x="6863076" y="1916832"/>
             <a:ext cx="3924972" cy="1584176"/>
             <a:chOff x="-3169516" y="2060848"/>
             <a:chExt cx="3275828" cy="1152128"/>
@@ -5691,7 +5669,23 @@
                     <a:schemeClr val="tx1"/>
                   </a:solidFill>
                 </a:rPr>
-                <a:t>I = 0, </a:t>
+                <a:t>i</a:t>
+              </a:r>
+              <a:r>
+                <a:rPr lang="en-US" altLang="ko-KR" sz="1000" smtClean="0">
+                  <a:solidFill>
+                    <a:schemeClr val="tx1"/>
+                  </a:solidFill>
+                </a:rPr>
+                <a:t> </a:t>
+              </a:r>
+              <a:r>
+                <a:rPr lang="en-US" altLang="ko-KR" sz="1000" smtClean="0">
+                  <a:solidFill>
+                    <a:schemeClr val="tx1"/>
+                  </a:solidFill>
+                </a:rPr>
+                <a:t>= 0, </a:t>
               </a:r>
               <a:r>
                 <a:rPr lang="en-US" altLang="ko-KR" sz="1000" err="1" smtClean="0">
@@ -5771,7 +5765,7 @@
         </p:nvSpPr>
         <p:spPr>
           <a:xfrm>
-            <a:off x="8509617" y="2636912"/>
+            <a:off x="8509617" y="2852936"/>
             <a:ext cx="203451" cy="153888"/>
           </a:xfrm>
           <a:prstGeom prst="rect">
@@ -5801,7 +5795,7 @@
         </p:nvSpPr>
         <p:spPr>
           <a:xfrm>
-            <a:off x="10297244" y="2132856"/>
+            <a:off x="10297244" y="2348880"/>
             <a:ext cx="203451" cy="153888"/>
           </a:xfrm>
           <a:prstGeom prst="rect">
@@ -5831,7 +5825,7 @@
         </p:nvSpPr>
         <p:spPr>
           <a:xfrm>
-            <a:off x="7436802" y="2133086"/>
+            <a:off x="7436802" y="2349110"/>
             <a:ext cx="2787448" cy="445070"/>
           </a:xfrm>
           <a:prstGeom prst="flowChartDecision">
@@ -5906,7 +5900,7 @@
         </p:nvCxnSpPr>
         <p:spPr>
           <a:xfrm>
-            <a:off x="10224250" y="2355621"/>
+            <a:off x="10224250" y="2571645"/>
             <a:ext cx="4425" cy="202658"/>
           </a:xfrm>
           <a:prstGeom prst="straightConnector1">
@@ -5942,7 +5936,7 @@
         </p:nvCxnSpPr>
         <p:spPr>
           <a:xfrm flipH="1">
-            <a:off x="8825562" y="2578156"/>
+            <a:off x="8825562" y="2794180"/>
             <a:ext cx="4964" cy="706828"/>
           </a:xfrm>
           <a:prstGeom prst="straightConnector1">
@@ -5975,7 +5969,7 @@
         </p:nvSpPr>
         <p:spPr>
           <a:xfrm rot="10800000" flipV="1">
-            <a:off x="8301524" y="1340768"/>
+            <a:off x="8301524" y="1556792"/>
             <a:ext cx="1039738" cy="223888"/>
           </a:xfrm>
           <a:prstGeom prst="rect">
@@ -6028,7 +6022,7 @@
         </p:nvSpPr>
         <p:spPr>
           <a:xfrm rot="10800000" flipV="1">
-            <a:off x="9858822" y="2558279"/>
+            <a:off x="9858822" y="2774303"/>
             <a:ext cx="739706" cy="223888"/>
           </a:xfrm>
           <a:prstGeom prst="rect">
@@ -6081,7 +6075,7 @@
         </p:nvSpPr>
         <p:spPr>
           <a:xfrm rot="10800000" flipV="1">
-            <a:off x="9863692" y="2866188"/>
+            <a:off x="9863692" y="3082212"/>
             <a:ext cx="728210" cy="223888"/>
           </a:xfrm>
           <a:prstGeom prst="rect">
@@ -6137,7 +6131,7 @@
         </p:nvCxnSpPr>
         <p:spPr>
           <a:xfrm flipH="1">
-            <a:off x="10227797" y="2782167"/>
+            <a:off x="10227797" y="2998191"/>
             <a:ext cx="878" cy="84021"/>
           </a:xfrm>
           <a:prstGeom prst="straightConnector1">
@@ -6173,7 +6167,7 @@
         </p:nvCxnSpPr>
         <p:spPr>
           <a:xfrm>
-            <a:off x="3924224" y="2356743"/>
+            <a:off x="3924224" y="2644775"/>
             <a:ext cx="0" cy="128287"/>
           </a:xfrm>
           <a:prstGeom prst="straightConnector1">
@@ -6209,7 +6203,7 @@
         </p:nvCxnSpPr>
         <p:spPr>
           <a:xfrm flipH="1">
-            <a:off x="2808411" y="2142622"/>
+            <a:off x="2808411" y="2430654"/>
             <a:ext cx="1699" cy="638305"/>
           </a:xfrm>
           <a:prstGeom prst="straightConnector1">
@@ -6245,7 +6239,7 @@
         </p:nvCxnSpPr>
         <p:spPr>
           <a:xfrm>
-            <a:off x="8826319" y="2022995"/>
+            <a:off x="8826319" y="2239019"/>
             <a:ext cx="4207" cy="110091"/>
           </a:xfrm>
           <a:prstGeom prst="straightConnector1">
@@ -6317,7 +6311,7 @@
         </p:nvCxnSpPr>
         <p:spPr>
           <a:xfrm>
-            <a:off x="8821393" y="1564656"/>
+            <a:off x="8821393" y="1780680"/>
             <a:ext cx="4169" cy="136152"/>
           </a:xfrm>
           <a:prstGeom prst="straightConnector1">
@@ -6350,7 +6344,7 @@
         </p:nvSpPr>
         <p:spPr>
           <a:xfrm>
-            <a:off x="8044602" y="3461252"/>
+            <a:off x="8044602" y="3677276"/>
             <a:ext cx="1572318" cy="408878"/>
           </a:xfrm>
           <a:prstGeom prst="flowChartDecision">
@@ -6385,7 +6379,23 @@
                   <a:schemeClr val="tx1"/>
                 </a:solidFill>
               </a:rPr>
-              <a:t>aIndex &lt; 0 </a:t>
+              <a:t>aIndex </a:t>
+            </a:r>
+            <a:r>
+              <a:rPr lang="en-US" altLang="ko-KR" sz="1000" smtClean="0">
+                <a:solidFill>
+                  <a:schemeClr val="tx1"/>
+                </a:solidFill>
+              </a:rPr>
+              <a:t>&gt;= </a:t>
+            </a:r>
+            <a:r>
+              <a:rPr lang="en-US" altLang="ko-KR" sz="1000" smtClean="0">
+                <a:solidFill>
+                  <a:schemeClr val="tx1"/>
+                </a:solidFill>
+              </a:rPr>
+              <a:t>0 </a:t>
             </a:r>
             <a:endParaRPr lang="ko-KR" altLang="en-US" sz="1000" dirty="0">
               <a:solidFill>
@@ -6406,7 +6416,7 @@
         </p:nvCxnSpPr>
         <p:spPr>
           <a:xfrm>
-            <a:off x="8825562" y="3284984"/>
+            <a:off x="8825562" y="3501008"/>
             <a:ext cx="5199" cy="176268"/>
           </a:xfrm>
           <a:prstGeom prst="straightConnector1">
@@ -6439,7 +6449,7 @@
         </p:nvSpPr>
         <p:spPr>
           <a:xfrm>
-            <a:off x="8569052" y="3861048"/>
+            <a:off x="8569052" y="4077072"/>
             <a:ext cx="203451" cy="153888"/>
           </a:xfrm>
           <a:prstGeom prst="rect">
@@ -6469,7 +6479,7 @@
         </p:nvSpPr>
         <p:spPr>
           <a:xfrm>
-            <a:off x="7719086" y="6165304"/>
+            <a:off x="7719086" y="6237312"/>
             <a:ext cx="2280854" cy="288032"/>
           </a:xfrm>
           <a:prstGeom prst="flowChartTerminator">
@@ -6514,42 +6524,6 @@
           </a:p>
         </p:txBody>
       </p:sp>
-      <p:cxnSp>
-        <p:nvCxnSpPr>
-          <p:cNvPr id="374" name="직선 화살표 연결선 373"/>
-          <p:cNvCxnSpPr>
-            <a:stCxn id="360" idx="2"/>
-            <a:endCxn id="404" idx="0"/>
-          </p:cNvCxnSpPr>
-          <p:nvPr/>
-        </p:nvCxnSpPr>
-        <p:spPr>
-          <a:xfrm>
-            <a:off x="8830761" y="3870130"/>
-            <a:ext cx="13071" cy="134934"/>
-          </a:xfrm>
-          <a:prstGeom prst="straightConnector1">
-            <a:avLst/>
-          </a:prstGeom>
-          <a:ln>
-            <a:tailEnd type="arrow"/>
-          </a:ln>
-        </p:spPr>
-        <p:style>
-          <a:lnRef idx="1">
-            <a:schemeClr val="accent1"/>
-          </a:lnRef>
-          <a:fillRef idx="0">
-            <a:schemeClr val="accent1"/>
-          </a:fillRef>
-          <a:effectRef idx="0">
-            <a:schemeClr val="accent1"/>
-          </a:effectRef>
-          <a:fontRef idx="minor">
-            <a:schemeClr val="tx1"/>
-          </a:fontRef>
-        </p:style>
-      </p:cxnSp>
       <p:sp>
         <p:nvSpPr>
           <p:cNvPr id="376" name="직사각형 375"/>
@@ -6558,7 +6532,7 @@
         </p:nvSpPr>
         <p:spPr>
           <a:xfrm rot="10800000" flipV="1">
-            <a:off x="6881242" y="4769409"/>
+            <a:off x="9107490" y="4985433"/>
             <a:ext cx="3920058" cy="223888"/>
           </a:xfrm>
           <a:prstGeom prst="rect">
@@ -6611,7 +6585,7 @@
         </p:nvSpPr>
         <p:spPr>
           <a:xfrm>
-            <a:off x="9505156" y="3491136"/>
+            <a:off x="9505156" y="3717032"/>
             <a:ext cx="203451" cy="153888"/>
           </a:xfrm>
           <a:prstGeom prst="rect">
@@ -6641,7 +6615,7 @@
         </p:nvSpPr>
         <p:spPr>
           <a:xfrm rot="10800000" flipV="1">
-            <a:off x="6886364" y="5124940"/>
+            <a:off x="9112612" y="5340964"/>
             <a:ext cx="3920058" cy="223888"/>
           </a:xfrm>
           <a:prstGeom prst="rect">
@@ -6686,42 +6660,6 @@
           </a:p>
         </p:txBody>
       </p:sp>
-      <p:cxnSp>
-        <p:nvCxnSpPr>
-          <p:cNvPr id="387" name="Shape 386"/>
-          <p:cNvCxnSpPr>
-            <a:stCxn id="97" idx="1"/>
-            <a:endCxn id="223" idx="0"/>
-          </p:cNvCxnSpPr>
-          <p:nvPr/>
-        </p:nvCxnSpPr>
-        <p:spPr>
-          <a:xfrm rot="10800000" flipV="1">
-            <a:off x="1210984" y="3142443"/>
-            <a:ext cx="806218" cy="378442"/>
-          </a:xfrm>
-          <a:prstGeom prst="bentConnector2">
-            <a:avLst/>
-          </a:prstGeom>
-          <a:ln>
-            <a:tailEnd type="arrow"/>
-          </a:ln>
-        </p:spPr>
-        <p:style>
-          <a:lnRef idx="1">
-            <a:schemeClr val="accent1"/>
-          </a:lnRef>
-          <a:fillRef idx="0">
-            <a:schemeClr val="accent1"/>
-          </a:fillRef>
-          <a:effectRef idx="0">
-            <a:schemeClr val="accent1"/>
-          </a:effectRef>
-          <a:fontRef idx="minor">
-            <a:schemeClr val="tx1"/>
-          </a:fontRef>
-        </p:style>
-      </p:cxnSp>
       <p:sp>
         <p:nvSpPr>
           <p:cNvPr id="388" name="직사각형 387"/>
@@ -6731,7 +6669,7 @@
         <p:spPr>
           <a:xfrm rot="10800000" flipV="1">
             <a:off x="7632322" y="980728"/>
-            <a:ext cx="2376890" cy="223888"/>
+            <a:ext cx="2376890" cy="432048"/>
           </a:xfrm>
           <a:prstGeom prst="rect">
             <a:avLst/>
@@ -6765,7 +6703,26 @@
                   <a:schemeClr val="tx1"/>
                 </a:solidFill>
               </a:rPr>
-              <a:t>aArrLeng=Length(fStudentArr)</a:t>
+              <a:t>aChoiceOper : False</a:t>
+            </a:r>
+          </a:p>
+          <a:p>
+            <a:pPr algn="ctr"/>
+            <a:r>
+              <a:rPr lang="en-US" altLang="ko-KR" sz="1000" smtClean="0">
+                <a:solidFill>
+                  <a:schemeClr val="tx1"/>
+                </a:solidFill>
+              </a:rPr>
+              <a:t>aArrLeng=Length(fStudentArr</a:t>
+            </a:r>
+            <a:r>
+              <a:rPr lang="en-US" altLang="ko-KR" sz="1000" smtClean="0">
+                <a:solidFill>
+                  <a:schemeClr val="tx1"/>
+                </a:solidFill>
+              </a:rPr>
+              <a:t>)</a:t>
             </a:r>
             <a:endParaRPr lang="ko-KR" altLang="en-US" sz="1000" dirty="0">
               <a:solidFill>
@@ -6779,14 +6736,13 @@
         <p:nvCxnSpPr>
           <p:cNvPr id="392" name="직선 화살표 연결선 391"/>
           <p:cNvCxnSpPr>
-            <a:stCxn id="388" idx="2"/>
             <a:endCxn id="301" idx="0"/>
           </p:cNvCxnSpPr>
           <p:nvPr/>
         </p:nvCxnSpPr>
         <p:spPr>
           <a:xfrm>
-            <a:off x="8820767" y="1204616"/>
+            <a:off x="8820767" y="1420640"/>
             <a:ext cx="626" cy="136152"/>
           </a:xfrm>
           <a:prstGeom prst="straightConnector1">
@@ -6822,7 +6778,7 @@
         </p:nvCxnSpPr>
         <p:spPr>
           <a:xfrm>
-            <a:off x="8841271" y="4993297"/>
+            <a:off x="11067519" y="5209321"/>
             <a:ext cx="5122" cy="131643"/>
           </a:xfrm>
           <a:prstGeom prst="straightConnector1">
@@ -6855,7 +6811,7 @@
         </p:nvSpPr>
         <p:spPr>
           <a:xfrm rot="10800000" flipV="1">
-            <a:off x="6887242" y="5509367"/>
+            <a:off x="9113490" y="5725391"/>
             <a:ext cx="3920058" cy="223888"/>
           </a:xfrm>
           <a:prstGeom prst="rect">
@@ -6900,45 +6856,6 @@
           </a:p>
         </p:txBody>
       </p:sp>
-      <p:cxnSp>
-        <p:nvCxnSpPr>
-          <p:cNvPr id="402" name="꺾인 연결선 401"/>
-          <p:cNvCxnSpPr>
-            <a:stCxn id="360" idx="3"/>
-            <a:endCxn id="367" idx="0"/>
-          </p:cNvCxnSpPr>
-          <p:nvPr/>
-        </p:nvCxnSpPr>
-        <p:spPr>
-          <a:xfrm flipH="1">
-            <a:off x="8859513" y="3665691"/>
-            <a:ext cx="757407" cy="2499613"/>
-          </a:xfrm>
-          <a:prstGeom prst="bentConnector4">
-            <a:avLst>
-              <a:gd name="adj1" fmla="val -198151"/>
-              <a:gd name="adj2" fmla="val 90671"/>
-            </a:avLst>
-          </a:prstGeom>
-          <a:ln>
-            <a:tailEnd type="arrow"/>
-          </a:ln>
-        </p:spPr>
-        <p:style>
-          <a:lnRef idx="1">
-            <a:schemeClr val="accent1"/>
-          </a:lnRef>
-          <a:fillRef idx="0">
-            <a:schemeClr val="accent1"/>
-          </a:fillRef>
-          <a:effectRef idx="0">
-            <a:schemeClr val="accent1"/>
-          </a:effectRef>
-          <a:fontRef idx="minor">
-            <a:schemeClr val="tx1"/>
-          </a:fontRef>
-        </p:style>
-      </p:cxnSp>
       <p:sp>
         <p:nvSpPr>
           <p:cNvPr id="404" name="직사각형 403"/>
@@ -6947,7 +6864,7 @@
         </p:nvSpPr>
         <p:spPr>
           <a:xfrm rot="10800000" flipV="1">
-            <a:off x="6886364" y="4005064"/>
+            <a:off x="9112612" y="4221088"/>
             <a:ext cx="3914936" cy="576064"/>
           </a:xfrm>
           <a:prstGeom prst="rect">
@@ -6982,47 +6899,18 @@
                   <a:schemeClr val="tx1"/>
                 </a:solidFill>
               </a:rPr>
-              <a:t>fSumArr[0</a:t>
-            </a:r>
+              <a:t>fSumArr[0]=fSumArr[0] - fStudentArr[aIndex].iKor</a:t>
+            </a:r>
+          </a:p>
+          <a:p>
+            <a:pPr algn="ctr"/>
             <a:r>
               <a:rPr lang="en-US" altLang="ko-KR" sz="1000" smtClean="0">
                 <a:solidFill>
                   <a:schemeClr val="tx1"/>
                 </a:solidFill>
               </a:rPr>
-              <a:t>]=fSumArr[0] - fStudentArr[aIndex].iKor</a:t>
-            </a:r>
-            <a:endParaRPr lang="en-US" altLang="ko-KR" sz="1000" smtClean="0">
-              <a:solidFill>
-                <a:schemeClr val="tx1"/>
-              </a:solidFill>
-            </a:endParaRPr>
-          </a:p>
-          <a:p>
-            <a:pPr algn="ctr"/>
-            <a:r>
-              <a:rPr lang="en-US" altLang="ko-KR" sz="1000" smtClean="0">
-                <a:solidFill>
-                  <a:schemeClr val="tx1"/>
-                </a:solidFill>
-              </a:rPr>
-              <a:t>fSumArr[1]=fSumArr [1] - </a:t>
-            </a:r>
-            <a:r>
-              <a:rPr lang="en-US" altLang="ko-KR" sz="1000" smtClean="0">
-                <a:solidFill>
-                  <a:schemeClr val="tx1"/>
-                </a:solidFill>
-              </a:rPr>
-              <a:t>fStudentArr[aIndex</a:t>
-            </a:r>
-            <a:r>
-              <a:rPr lang="en-US" altLang="ko-KR" sz="1000" smtClean="0">
-                <a:solidFill>
-                  <a:schemeClr val="tx1"/>
-                </a:solidFill>
-              </a:rPr>
-              <a:t>].iEng</a:t>
+              <a:t>fSumArr[1]=fSumArr [1] - fStudentArr[aIndex].iEng</a:t>
             </a:r>
           </a:p>
           <a:p>
@@ -7054,44 +6942,8 @@
         </p:nvCxnSpPr>
         <p:spPr>
           <a:xfrm>
-            <a:off x="8846393" y="5348828"/>
+            <a:off x="11072641" y="5564852"/>
             <a:ext cx="878" cy="160539"/>
-          </a:xfrm>
-          <a:prstGeom prst="straightConnector1">
-            <a:avLst/>
-          </a:prstGeom>
-          <a:ln>
-            <a:tailEnd type="arrow"/>
-          </a:ln>
-        </p:spPr>
-        <p:style>
-          <a:lnRef idx="1">
-            <a:schemeClr val="accent1"/>
-          </a:lnRef>
-          <a:fillRef idx="0">
-            <a:schemeClr val="accent1"/>
-          </a:fillRef>
-          <a:effectRef idx="0">
-            <a:schemeClr val="accent1"/>
-          </a:effectRef>
-          <a:fontRef idx="minor">
-            <a:schemeClr val="tx1"/>
-          </a:fontRef>
-        </p:style>
-      </p:cxnSp>
-      <p:cxnSp>
-        <p:nvCxnSpPr>
-          <p:cNvPr id="408" name="직선 화살표 연결선 407"/>
-          <p:cNvCxnSpPr>
-            <a:stCxn id="400" idx="2"/>
-            <a:endCxn id="367" idx="0"/>
-          </p:cNvCxnSpPr>
-          <p:nvPr/>
-        </p:nvCxnSpPr>
-        <p:spPr>
-          <a:xfrm>
-            <a:off x="8847271" y="5733255"/>
-            <a:ext cx="12242" cy="432049"/>
           </a:xfrm>
           <a:prstGeom prst="straightConnector1">
             <a:avLst/>
@@ -7126,8 +6978,227 @@
         </p:nvCxnSpPr>
         <p:spPr>
           <a:xfrm flipH="1">
-            <a:off x="8841271" y="4581128"/>
+            <a:off x="11067519" y="4797152"/>
             <a:ext cx="2561" cy="188281"/>
+          </a:xfrm>
+          <a:prstGeom prst="straightConnector1">
+            <a:avLst/>
+          </a:prstGeom>
+          <a:ln>
+            <a:tailEnd type="arrow"/>
+          </a:ln>
+        </p:spPr>
+        <p:style>
+          <a:lnRef idx="1">
+            <a:schemeClr val="accent1"/>
+          </a:lnRef>
+          <a:fillRef idx="0">
+            <a:schemeClr val="accent1"/>
+          </a:fillRef>
+          <a:effectRef idx="0">
+            <a:schemeClr val="accent1"/>
+          </a:effectRef>
+          <a:fontRef idx="minor">
+            <a:schemeClr val="tx1"/>
+          </a:fontRef>
+        </p:style>
+      </p:cxnSp>
+      <p:cxnSp>
+        <p:nvCxnSpPr>
+          <p:cNvPr id="79" name="꺾인 연결선 78"/>
+          <p:cNvCxnSpPr>
+            <a:stCxn id="378" idx="2"/>
+            <a:endCxn id="404" idx="0"/>
+          </p:cNvCxnSpPr>
+          <p:nvPr/>
+        </p:nvCxnSpPr>
+        <p:spPr>
+          <a:xfrm rot="16200000" flipH="1">
+            <a:off x="10163397" y="3314405"/>
+            <a:ext cx="350168" cy="1463198"/>
+          </a:xfrm>
+          <a:prstGeom prst="bentConnector3">
+            <a:avLst>
+              <a:gd name="adj1" fmla="val -2226"/>
+            </a:avLst>
+          </a:prstGeom>
+          <a:ln>
+            <a:tailEnd type="arrow"/>
+          </a:ln>
+        </p:spPr>
+        <p:style>
+          <a:lnRef idx="1">
+            <a:schemeClr val="accent1"/>
+          </a:lnRef>
+          <a:fillRef idx="0">
+            <a:schemeClr val="accent1"/>
+          </a:fillRef>
+          <a:effectRef idx="0">
+            <a:schemeClr val="accent1"/>
+          </a:effectRef>
+          <a:fontRef idx="minor">
+            <a:schemeClr val="tx1"/>
+          </a:fontRef>
+        </p:style>
+      </p:cxnSp>
+      <p:cxnSp>
+        <p:nvCxnSpPr>
+          <p:cNvPr id="81" name="직선 화살표 연결선 80"/>
+          <p:cNvCxnSpPr>
+            <a:stCxn id="360" idx="2"/>
+            <a:endCxn id="367" idx="0"/>
+          </p:cNvCxnSpPr>
+          <p:nvPr/>
+        </p:nvCxnSpPr>
+        <p:spPr>
+          <a:xfrm>
+            <a:off x="8830761" y="4086154"/>
+            <a:ext cx="28752" cy="2151158"/>
+          </a:xfrm>
+          <a:prstGeom prst="straightConnector1">
+            <a:avLst/>
+          </a:prstGeom>
+          <a:ln>
+            <a:tailEnd type="arrow"/>
+          </a:ln>
+        </p:spPr>
+        <p:style>
+          <a:lnRef idx="1">
+            <a:schemeClr val="accent1"/>
+          </a:lnRef>
+          <a:fillRef idx="0">
+            <a:schemeClr val="accent1"/>
+          </a:fillRef>
+          <a:effectRef idx="0">
+            <a:schemeClr val="accent1"/>
+          </a:effectRef>
+          <a:fontRef idx="minor">
+            <a:schemeClr val="tx1"/>
+          </a:fontRef>
+        </p:style>
+      </p:cxnSp>
+      <p:cxnSp>
+        <p:nvCxnSpPr>
+          <p:cNvPr id="83" name="꺾인 연결선 82"/>
+          <p:cNvCxnSpPr>
+            <a:stCxn id="400" idx="2"/>
+          </p:cNvCxnSpPr>
+          <p:nvPr/>
+        </p:nvCxnSpPr>
+        <p:spPr>
+          <a:xfrm rot="5400000">
+            <a:off x="9893294" y="4913070"/>
+            <a:ext cx="144017" cy="2216435"/>
+          </a:xfrm>
+          <a:prstGeom prst="bentConnector2">
+            <a:avLst/>
+          </a:prstGeom>
+          <a:ln>
+            <a:tailEnd type="arrow"/>
+          </a:ln>
+        </p:spPr>
+        <p:style>
+          <a:lnRef idx="1">
+            <a:schemeClr val="accent1"/>
+          </a:lnRef>
+          <a:fillRef idx="0">
+            <a:schemeClr val="accent1"/>
+          </a:fillRef>
+          <a:effectRef idx="0">
+            <a:schemeClr val="accent1"/>
+          </a:effectRef>
+          <a:fontRef idx="minor">
+            <a:schemeClr val="tx1"/>
+          </a:fontRef>
+        </p:style>
+      </p:cxnSp>
+      <p:cxnSp>
+        <p:nvCxnSpPr>
+          <p:cNvPr id="114" name="꺾인 연결선 113"/>
+          <p:cNvCxnSpPr>
+            <a:stCxn id="88" idx="2"/>
+            <a:endCxn id="175" idx="0"/>
+          </p:cNvCxnSpPr>
+          <p:nvPr/>
+        </p:nvCxnSpPr>
+        <p:spPr>
+          <a:xfrm rot="5400000">
+            <a:off x="3373582" y="3511904"/>
+            <a:ext cx="360041" cy="1490375"/>
+          </a:xfrm>
+          <a:prstGeom prst="bentConnector3">
+            <a:avLst>
+              <a:gd name="adj1" fmla="val 60885"/>
+            </a:avLst>
+          </a:prstGeom>
+          <a:ln>
+            <a:tailEnd type="arrow"/>
+          </a:ln>
+        </p:spPr>
+        <p:style>
+          <a:lnRef idx="1">
+            <a:schemeClr val="accent1"/>
+          </a:lnRef>
+          <a:fillRef idx="0">
+            <a:schemeClr val="accent1"/>
+          </a:fillRef>
+          <a:effectRef idx="0">
+            <a:schemeClr val="accent1"/>
+          </a:effectRef>
+          <a:fontRef idx="minor">
+            <a:schemeClr val="tx1"/>
+          </a:fontRef>
+        </p:style>
+      </p:cxnSp>
+      <p:cxnSp>
+        <p:nvCxnSpPr>
+          <p:cNvPr id="121" name="직선 화살표 연결선 120"/>
+          <p:cNvCxnSpPr>
+            <a:stCxn id="97" idx="2"/>
+            <a:endCxn id="175" idx="0"/>
+          </p:cNvCxnSpPr>
+          <p:nvPr/>
+        </p:nvCxnSpPr>
+        <p:spPr>
+          <a:xfrm>
+            <a:off x="2803361" y="3634914"/>
+            <a:ext cx="5053" cy="802198"/>
+          </a:xfrm>
+          <a:prstGeom prst="straightConnector1">
+            <a:avLst/>
+          </a:prstGeom>
+          <a:ln>
+            <a:tailEnd type="arrow"/>
+          </a:ln>
+        </p:spPr>
+        <p:style>
+          <a:lnRef idx="1">
+            <a:schemeClr val="accent1"/>
+          </a:lnRef>
+          <a:fillRef idx="0">
+            <a:schemeClr val="accent1"/>
+          </a:fillRef>
+          <a:effectRef idx="0">
+            <a:schemeClr val="accent1"/>
+          </a:effectRef>
+          <a:fontRef idx="minor">
+            <a:schemeClr val="tx1"/>
+          </a:fontRef>
+        </p:style>
+      </p:cxnSp>
+      <p:cxnSp>
+        <p:nvCxnSpPr>
+          <p:cNvPr id="129" name="직선 화살표 연결선 128"/>
+          <p:cNvCxnSpPr>
+            <a:stCxn id="175" idx="2"/>
+            <a:endCxn id="149" idx="0"/>
+          </p:cNvCxnSpPr>
+          <p:nvPr/>
+        </p:nvCxnSpPr>
+        <p:spPr>
+          <a:xfrm flipH="1">
+            <a:off x="2806238" y="5013176"/>
+            <a:ext cx="2176" cy="179725"/>
           </a:xfrm>
           <a:prstGeom prst="straightConnector1">
             <a:avLst/>
@@ -7192,7 +7263,7 @@
         <p:spPr>
           <a:xfrm rot="10800000" flipV="1">
             <a:off x="288132" y="692696"/>
-            <a:ext cx="10585176" cy="6048672"/>
+            <a:ext cx="8928992" cy="6048672"/>
           </a:xfrm>
           <a:prstGeom prst="rect">
             <a:avLst/>
@@ -7274,7 +7345,7 @@
                   <a:schemeClr val="tx1"/>
                 </a:solidFill>
               </a:rPr>
-              <a:t>DoOuput(aIndex)</a:t>
+              <a:t>DoOuput(aChoiceOper)</a:t>
             </a:r>
             <a:endParaRPr lang="ko-KR" altLang="en-US" sz="1200">
               <a:solidFill>
@@ -7438,45 +7509,11 @@
           </a:p>
         </p:txBody>
       </p:sp>
-      <p:sp>
-        <p:nvSpPr>
-          <p:cNvPr id="114" name="TextBox 113"/>
-          <p:cNvSpPr txBox="1"/>
-          <p:nvPr/>
-        </p:nvSpPr>
-        <p:spPr>
-          <a:xfrm>
-            <a:off x="288132" y="692696"/>
-            <a:ext cx="1296144" cy="246221"/>
-          </a:xfrm>
-          <a:prstGeom prst="rect">
-            <a:avLst/>
-          </a:prstGeom>
-          <a:noFill/>
-        </p:spPr>
-        <p:txBody>
-          <a:bodyPr wrap="square" rtlCol="0">
-            <a:spAutoFit/>
-          </a:bodyPr>
-          <a:lstStyle/>
-          <a:p>
-            <a:r>
-              <a:rPr lang="en-US" altLang="ko-KR" sz="1000" smtClean="0"/>
-              <a:t>aArrLeng </a:t>
-            </a:r>
-            <a:r>
-              <a:rPr lang="en-US" altLang="ko-KR" sz="1000" smtClean="0"/>
-              <a:t>: Int  </a:t>
-            </a:r>
-          </a:p>
-        </p:txBody>
-      </p:sp>
       <p:cxnSp>
         <p:nvCxnSpPr>
           <p:cNvPr id="40" name="직선 화살표 연결선 39"/>
           <p:cNvCxnSpPr>
             <a:stCxn id="104" idx="2"/>
-            <a:endCxn id="61" idx="0"/>
           </p:cNvCxnSpPr>
           <p:nvPr/>
         </p:nvCxnSpPr>
@@ -7544,25 +7581,6 @@
           <a:lstStyle/>
           <a:p>
             <a:pPr algn="ctr"/>
-            <a:r>
-              <a:rPr lang="en-US" altLang="ko-KR" sz="1000" smtClean="0">
-                <a:solidFill>
-                  <a:schemeClr val="tx1"/>
-                </a:solidFill>
-              </a:rPr>
-              <a:t>aArrLeng &lt; </a:t>
-            </a:r>
-          </a:p>
-          <a:p>
-            <a:pPr algn="ctr"/>
-            <a:r>
-              <a:rPr lang="en-US" altLang="ko-KR" sz="1000" smtClean="0">
-                <a:solidFill>
-                  <a:schemeClr val="tx1"/>
-                </a:solidFill>
-              </a:rPr>
-              <a:t>StringGrid.RowCount -1</a:t>
-            </a:r>
             <a:endParaRPr lang="ko-KR" altLang="en-US" sz="1000">
               <a:solidFill>
                 <a:schemeClr val="tx1"/>
@@ -7686,7 +7704,7 @@
         </p:nvSpPr>
         <p:spPr>
           <a:xfrm rot="10800000" flipV="1">
-            <a:off x="4464596" y="1595671"/>
+            <a:off x="4287925" y="1595671"/>
             <a:ext cx="4392488" cy="792088"/>
           </a:xfrm>
           <a:prstGeom prst="rect">
@@ -7721,39 +7739,18 @@
                   <a:schemeClr val="tx1"/>
                 </a:solidFill>
               </a:rPr>
-              <a:t>StringGrid.Cells[0, aIndex+1]= </a:t>
-            </a:r>
+              <a:t>StringGrid.Cells[0, aIndex+1]= StringGrid1.Cells[0, StringGrid1.RowCount-1]</a:t>
+            </a:r>
+          </a:p>
+          <a:p>
+            <a:pPr algn="ctr"/>
             <a:r>
               <a:rPr lang="en-US" altLang="ko-KR" sz="1000" smtClean="0">
                 <a:solidFill>
                   <a:schemeClr val="tx1"/>
                 </a:solidFill>
               </a:rPr>
-              <a:t>StringGrid1.Cells[0, StringGrid1.RowCount-1]</a:t>
-            </a:r>
-            <a:endParaRPr lang="en-US" altLang="ko-KR" sz="1000" smtClean="0">
-              <a:solidFill>
-                <a:schemeClr val="tx1"/>
-              </a:solidFill>
-            </a:endParaRPr>
-          </a:p>
-          <a:p>
-            <a:pPr algn="ctr"/>
-            <a:r>
-              <a:rPr lang="en-US" altLang="ko-KR" sz="1000" smtClean="0">
-                <a:solidFill>
-                  <a:schemeClr val="tx1"/>
-                </a:solidFill>
-              </a:rPr>
-              <a:t>StringGrid.Cells[1, aIndex+1]= </a:t>
-            </a:r>
-            <a:r>
-              <a:rPr lang="en-US" altLang="ko-KR" sz="1000" smtClean="0">
-                <a:solidFill>
-                  <a:schemeClr val="tx1"/>
-                </a:solidFill>
-              </a:rPr>
-              <a:t>StringGrid1.Cells[1, StringGrid1.RowCount-1]</a:t>
+              <a:t>StringGrid.Cells[1, aIndex+1]= StringGrid1.Cells[1, StringGrid1.RowCount-1]</a:t>
             </a:r>
             <a:endParaRPr lang="ko-KR" altLang="en-US" sz="1000" smtClean="0">
               <a:solidFill>
@@ -7769,15 +7766,7 @@
                   <a:schemeClr val="tx1"/>
                 </a:solidFill>
               </a:rPr>
-              <a:t>StringGrid.Cells[2, aIndex+1]= </a:t>
-            </a:r>
-            <a:r>
-              <a:rPr lang="en-US" altLang="ko-KR" sz="1000" smtClean="0">
-                <a:solidFill>
-                  <a:schemeClr val="tx1"/>
-                </a:solidFill>
-              </a:rPr>
-              <a:t>StringGrid1.Cells[2, StringGrid1.RowCount-1]</a:t>
+              <a:t>StringGrid.Cells[2, aIndex+1]= StringGrid1.Cells[2, StringGrid1.RowCount-1]</a:t>
             </a:r>
             <a:endParaRPr lang="ko-KR" altLang="en-US" sz="1000" smtClean="0">
               <a:solidFill>
@@ -7793,15 +7782,7 @@
                   <a:schemeClr val="tx1"/>
                 </a:solidFill>
               </a:rPr>
-              <a:t>StringGrid.Cells[3, aIndex+1]= </a:t>
-            </a:r>
-            <a:r>
-              <a:rPr lang="en-US" altLang="ko-KR" sz="1000" smtClean="0">
-                <a:solidFill>
-                  <a:schemeClr val="tx1"/>
-                </a:solidFill>
-              </a:rPr>
-              <a:t>StringGrid1.Cells[3, StringGrid1.RowCount-1]</a:t>
+              <a:t>StringGrid.Cells[3, aIndex+1]= StringGrid1.Cells[3, StringGrid1.RowCount-1]</a:t>
             </a:r>
             <a:endParaRPr lang="ko-KR" altLang="en-US" sz="1000" smtClean="0">
               <a:solidFill>
@@ -7817,21 +7798,8 @@
                   <a:schemeClr val="tx1"/>
                 </a:solidFill>
               </a:rPr>
-              <a:t>StringGrid.Cells[4, aIndex+1]= </a:t>
-            </a:r>
-            <a:r>
-              <a:rPr lang="en-US" altLang="ko-KR" sz="1000" smtClean="0">
-                <a:solidFill>
-                  <a:schemeClr val="tx1"/>
-                </a:solidFill>
-              </a:rPr>
-              <a:t>StringGrid1.Cells[4, StringGrid1.RowCount-1]</a:t>
-            </a:r>
-            <a:endParaRPr lang="en-US" altLang="ko-KR" sz="1000" smtClean="0">
-              <a:solidFill>
-                <a:schemeClr val="tx1"/>
-              </a:solidFill>
-            </a:endParaRPr>
+              <a:t>StringGrid.Cells[4, aIndex+1]= StringGrid1.Cells[4, StringGrid1.RowCount-1]</a:t>
+            </a:r>
           </a:p>
         </p:txBody>
       </p:sp>
@@ -7861,59 +7829,6 @@
               <a:rPr lang="en-US" altLang="ko-KR" sz="1000" smtClean="0"/>
               <a:t>Yes</a:t>
             </a:r>
-          </a:p>
-        </p:txBody>
-      </p:sp>
-      <p:sp>
-        <p:nvSpPr>
-          <p:cNvPr id="61" name="직사각형 60"/>
-          <p:cNvSpPr/>
-          <p:nvPr/>
-        </p:nvSpPr>
-        <p:spPr>
-          <a:xfrm rot="10800000" flipV="1">
-            <a:off x="1237488" y="1332903"/>
-            <a:ext cx="2376890" cy="223888"/>
-          </a:xfrm>
-          <a:prstGeom prst="rect">
-            <a:avLst/>
-          </a:prstGeom>
-          <a:noFill/>
-        </p:spPr>
-        <p:style>
-          <a:lnRef idx="2">
-            <a:schemeClr val="accent1">
-              <a:shade val="50000"/>
-            </a:schemeClr>
-          </a:lnRef>
-          <a:fillRef idx="1">
-            <a:schemeClr val="accent1"/>
-          </a:fillRef>
-          <a:effectRef idx="0">
-            <a:schemeClr val="accent1"/>
-          </a:effectRef>
-          <a:fontRef idx="minor">
-            <a:schemeClr val="lt1"/>
-          </a:fontRef>
-        </p:style>
-        <p:txBody>
-          <a:bodyPr lIns="0" tIns="0" rIns="0" bIns="0" rtlCol="0" anchor="ctr"/>
-          <a:lstStyle/>
-          <a:p>
-            <a:pPr algn="ctr"/>
-            <a:r>
-              <a:rPr lang="en-US" altLang="ko-KR" sz="1000" smtClean="0">
-                <a:solidFill>
-                  <a:schemeClr val="tx1"/>
-                </a:solidFill>
-              </a:rPr>
-              <a:t>aArrLeng=Length(fStudentArr)</a:t>
-            </a:r>
-            <a:endParaRPr lang="ko-KR" altLang="en-US" sz="1000" dirty="0">
-              <a:solidFill>
-                <a:schemeClr val="tx1"/>
-              </a:solidFill>
-            </a:endParaRPr>
           </a:p>
         </p:txBody>
       </p:sp>
@@ -8124,7 +8039,7 @@
         <p:spPr>
           <a:xfrm>
             <a:off x="4176564" y="1988955"/>
-            <a:ext cx="288032" cy="2760"/>
+            <a:ext cx="111361" cy="2760"/>
           </a:xfrm>
           <a:prstGeom prst="straightConnector1">
             <a:avLst/>
@@ -8160,7 +8075,1396 @@
         <p:spPr>
           <a:xfrm flipH="1">
             <a:off x="6480820" y="2387759"/>
-            <a:ext cx="180020" cy="249154"/>
+            <a:ext cx="3349" cy="249154"/>
+          </a:xfrm>
+          <a:prstGeom prst="straightConnector1">
+            <a:avLst/>
+          </a:prstGeom>
+          <a:ln>
+            <a:tailEnd type="arrow"/>
+          </a:ln>
+        </p:spPr>
+        <p:style>
+          <a:lnRef idx="1">
+            <a:schemeClr val="accent1"/>
+          </a:lnRef>
+          <a:fillRef idx="0">
+            <a:schemeClr val="accent1"/>
+          </a:fillRef>
+          <a:effectRef idx="0">
+            <a:schemeClr val="accent1"/>
+          </a:effectRef>
+          <a:fontRef idx="minor">
+            <a:schemeClr val="tx1"/>
+          </a:fontRef>
+        </p:style>
+      </p:cxnSp>
+      <p:cxnSp>
+        <p:nvCxnSpPr>
+          <p:cNvPr id="98" name="직선 화살표 연결선 97"/>
+          <p:cNvCxnSpPr>
+            <a:endCxn id="51" idx="0"/>
+          </p:cNvCxnSpPr>
+          <p:nvPr/>
+        </p:nvCxnSpPr>
+        <p:spPr>
+          <a:xfrm flipH="1">
+            <a:off x="2422800" y="1556791"/>
+            <a:ext cx="3133" cy="209629"/>
+          </a:xfrm>
+          <a:prstGeom prst="straightConnector1">
+            <a:avLst/>
+          </a:prstGeom>
+          <a:ln>
+            <a:tailEnd type="arrow"/>
+          </a:ln>
+        </p:spPr>
+        <p:style>
+          <a:lnRef idx="1">
+            <a:schemeClr val="accent1"/>
+          </a:lnRef>
+          <a:fillRef idx="0">
+            <a:schemeClr val="accent1"/>
+          </a:fillRef>
+          <a:effectRef idx="0">
+            <a:schemeClr val="accent1"/>
+          </a:effectRef>
+          <a:fontRef idx="minor">
+            <a:schemeClr val="tx1"/>
+          </a:fontRef>
+        </p:style>
+      </p:cxnSp>
+      <p:sp>
+        <p:nvSpPr>
+          <p:cNvPr id="99" name="직사각형 98"/>
+          <p:cNvSpPr/>
+          <p:nvPr/>
+        </p:nvSpPr>
+        <p:spPr>
+          <a:xfrm rot="10800000" flipV="1">
+            <a:off x="375344" y="5373216"/>
+            <a:ext cx="4089252" cy="864096"/>
+          </a:xfrm>
+          <a:prstGeom prst="rect">
+            <a:avLst/>
+          </a:prstGeom>
+          <a:noFill/>
+        </p:spPr>
+        <p:style>
+          <a:lnRef idx="2">
+            <a:schemeClr val="accent1">
+              <a:shade val="50000"/>
+            </a:schemeClr>
+          </a:lnRef>
+          <a:fillRef idx="1">
+            <a:schemeClr val="accent1"/>
+          </a:fillRef>
+          <a:effectRef idx="0">
+            <a:schemeClr val="accent1"/>
+          </a:effectRef>
+          <a:fontRef idx="minor">
+            <a:schemeClr val="lt1"/>
+          </a:fontRef>
+        </p:style>
+        <p:txBody>
+          <a:bodyPr lIns="0" tIns="0" rIns="0" bIns="0" rtlCol="0" anchor="ctr"/>
+          <a:lstStyle/>
+          <a:p>
+            <a:pPr algn="ctr"/>
+            <a:r>
+              <a:rPr lang="en-US" altLang="ko-KR" sz="1000" smtClean="0">
+                <a:solidFill>
+                  <a:schemeClr val="tx1"/>
+                </a:solidFill>
+              </a:rPr>
+              <a:t>KorPanel.Caption= fSumArr[0]/aArrLeng</a:t>
+            </a:r>
+          </a:p>
+          <a:p>
+            <a:pPr algn="ctr"/>
+            <a:r>
+              <a:rPr lang="en-US" altLang="ko-KR" sz="1000" smtClean="0">
+                <a:solidFill>
+                  <a:schemeClr val="tx1"/>
+                </a:solidFill>
+              </a:rPr>
+              <a:t>EngPanel.Caption=fSumArr[1]/aArrLeng</a:t>
+            </a:r>
+          </a:p>
+          <a:p>
+            <a:pPr algn="ctr"/>
+            <a:r>
+              <a:rPr lang="en-US" altLang="ko-KR" sz="1000" smtClean="0">
+                <a:solidFill>
+                  <a:schemeClr val="tx1"/>
+                </a:solidFill>
+              </a:rPr>
+              <a:t>Math.Caption=fSumArr[2]/aArrLeng</a:t>
+            </a:r>
+          </a:p>
+          <a:p>
+            <a:pPr algn="ctr"/>
+            <a:r>
+              <a:rPr lang="en-US" altLang="ko-KR" sz="1000" smtClean="0">
+                <a:solidFill>
+                  <a:schemeClr val="tx1"/>
+                </a:solidFill>
+              </a:rPr>
+              <a:t>TotalPanel.Caption=</a:t>
+            </a:r>
+          </a:p>
+          <a:p>
+            <a:pPr algn="ctr"/>
+            <a:r>
+              <a:rPr lang="en-US" altLang="ko-KR" sz="1000" smtClean="0">
+                <a:solidFill>
+                  <a:schemeClr val="tx1"/>
+                </a:solidFill>
+              </a:rPr>
+              <a:t>(KorPanel.Caption+EngPanel.Caption+MathPanel.Caption)/3</a:t>
+            </a:r>
+          </a:p>
+        </p:txBody>
+      </p:sp>
+      <p:cxnSp>
+        <p:nvCxnSpPr>
+          <p:cNvPr id="108" name="직선 화살표 연결선 107"/>
+          <p:cNvCxnSpPr>
+            <a:stCxn id="54" idx="2"/>
+            <a:endCxn id="99" idx="0"/>
+          </p:cNvCxnSpPr>
+          <p:nvPr/>
+        </p:nvCxnSpPr>
+        <p:spPr>
+          <a:xfrm>
+            <a:off x="2412368" y="5085184"/>
+            <a:ext cx="7602" cy="288032"/>
+          </a:xfrm>
+          <a:prstGeom prst="straightConnector1">
+            <a:avLst/>
+          </a:prstGeom>
+          <a:ln>
+            <a:tailEnd type="arrow"/>
+          </a:ln>
+        </p:spPr>
+        <p:style>
+          <a:lnRef idx="1">
+            <a:schemeClr val="accent1"/>
+          </a:lnRef>
+          <a:fillRef idx="0">
+            <a:schemeClr val="accent1"/>
+          </a:fillRef>
+          <a:effectRef idx="0">
+            <a:schemeClr val="accent1"/>
+          </a:effectRef>
+          <a:fontRef idx="minor">
+            <a:schemeClr val="tx1"/>
+          </a:fontRef>
+        </p:style>
+      </p:cxnSp>
+      <p:cxnSp>
+        <p:nvCxnSpPr>
+          <p:cNvPr id="112" name="직선 화살표 연결선 111"/>
+          <p:cNvCxnSpPr>
+            <a:stCxn id="99" idx="2"/>
+            <a:endCxn id="105" idx="0"/>
+          </p:cNvCxnSpPr>
+          <p:nvPr/>
+        </p:nvCxnSpPr>
+        <p:spPr>
+          <a:xfrm>
+            <a:off x="2419970" y="6237312"/>
+            <a:ext cx="3449" cy="144016"/>
+          </a:xfrm>
+          <a:prstGeom prst="straightConnector1">
+            <a:avLst/>
+          </a:prstGeom>
+          <a:ln>
+            <a:tailEnd type="arrow"/>
+          </a:ln>
+        </p:spPr>
+        <p:style>
+          <a:lnRef idx="1">
+            <a:schemeClr val="accent1"/>
+          </a:lnRef>
+          <a:fillRef idx="0">
+            <a:schemeClr val="accent1"/>
+          </a:fillRef>
+          <a:effectRef idx="0">
+            <a:schemeClr val="accent1"/>
+          </a:effectRef>
+          <a:fontRef idx="minor">
+            <a:schemeClr val="tx1"/>
+          </a:fontRef>
+        </p:style>
+      </p:cxnSp>
+      <p:sp>
+        <p:nvSpPr>
+          <p:cNvPr id="118" name="TextBox 117"/>
+          <p:cNvSpPr txBox="1"/>
+          <p:nvPr/>
+        </p:nvSpPr>
+        <p:spPr>
+          <a:xfrm>
+            <a:off x="2160340" y="2276872"/>
+            <a:ext cx="216024" cy="153888"/>
+          </a:xfrm>
+          <a:prstGeom prst="rect">
+            <a:avLst/>
+          </a:prstGeom>
+          <a:noFill/>
+        </p:spPr>
+        <p:txBody>
+          <a:bodyPr wrap="square" lIns="0" tIns="0" rIns="0" bIns="0" rtlCol="0">
+            <a:spAutoFit/>
+          </a:bodyPr>
+          <a:lstStyle/>
+          <a:p>
+            <a:r>
+              <a:rPr lang="en-US" altLang="ko-KR" sz="1000" smtClean="0"/>
+              <a:t>No</a:t>
+            </a:r>
+          </a:p>
+        </p:txBody>
+      </p:sp>
+      <p:cxnSp>
+        <p:nvCxnSpPr>
+          <p:cNvPr id="129" name="직선 화살표 연결선 128"/>
+          <p:cNvCxnSpPr>
+            <a:stCxn id="65" idx="2"/>
+            <a:endCxn id="109" idx="0"/>
+          </p:cNvCxnSpPr>
+          <p:nvPr/>
+        </p:nvCxnSpPr>
+        <p:spPr>
+          <a:xfrm flipH="1">
+            <a:off x="2412368" y="3225998"/>
+            <a:ext cx="10432" cy="203001"/>
+          </a:xfrm>
+          <a:prstGeom prst="straightConnector1">
+            <a:avLst/>
+          </a:prstGeom>
+          <a:ln>
+            <a:tailEnd type="arrow"/>
+          </a:ln>
+        </p:spPr>
+        <p:style>
+          <a:lnRef idx="1">
+            <a:schemeClr val="accent1"/>
+          </a:lnRef>
+          <a:fillRef idx="0">
+            <a:schemeClr val="accent1"/>
+          </a:fillRef>
+          <a:effectRef idx="0">
+            <a:schemeClr val="accent1"/>
+          </a:effectRef>
+          <a:fontRef idx="minor">
+            <a:schemeClr val="tx1"/>
+          </a:fontRef>
+        </p:style>
+      </p:cxnSp>
+      <p:cxnSp>
+        <p:nvCxnSpPr>
+          <p:cNvPr id="133" name="직선 화살표 연결선 132"/>
+          <p:cNvCxnSpPr>
+            <a:stCxn id="109" idx="2"/>
+            <a:endCxn id="54" idx="0"/>
+          </p:cNvCxnSpPr>
+          <p:nvPr/>
+        </p:nvCxnSpPr>
+        <p:spPr>
+          <a:xfrm>
+            <a:off x="2412368" y="3861047"/>
+            <a:ext cx="0" cy="360041"/>
+          </a:xfrm>
+          <a:prstGeom prst="straightConnector1">
+            <a:avLst/>
+          </a:prstGeom>
+          <a:ln>
+            <a:tailEnd type="arrow"/>
+          </a:ln>
+        </p:spPr>
+        <p:style>
+          <a:lnRef idx="1">
+            <a:schemeClr val="accent1"/>
+          </a:lnRef>
+          <a:fillRef idx="0">
+            <a:schemeClr val="accent1"/>
+          </a:fillRef>
+          <a:effectRef idx="0">
+            <a:schemeClr val="accent1"/>
+          </a:effectRef>
+          <a:fontRef idx="minor">
+            <a:schemeClr val="tx1"/>
+          </a:fontRef>
+        </p:style>
+      </p:cxnSp>
+      <p:cxnSp>
+        <p:nvCxnSpPr>
+          <p:cNvPr id="137" name="Shape 136"/>
+          <p:cNvCxnSpPr>
+            <a:stCxn id="65" idx="3"/>
+          </p:cNvCxnSpPr>
+          <p:nvPr/>
+        </p:nvCxnSpPr>
+        <p:spPr>
+          <a:xfrm flipH="1">
+            <a:off x="2376364" y="3003463"/>
+            <a:ext cx="1800200" cy="1073609"/>
+          </a:xfrm>
+          <a:prstGeom prst="bentConnector3">
+            <a:avLst>
+              <a:gd name="adj1" fmla="val -12699"/>
+            </a:avLst>
+          </a:prstGeom>
+          <a:ln>
+            <a:tailEnd type="arrow"/>
+          </a:ln>
+        </p:spPr>
+        <p:style>
+          <a:lnRef idx="1">
+            <a:schemeClr val="accent1"/>
+          </a:lnRef>
+          <a:fillRef idx="0">
+            <a:schemeClr val="accent1"/>
+          </a:fillRef>
+          <a:effectRef idx="0">
+            <a:schemeClr val="accent1"/>
+          </a:effectRef>
+          <a:fontRef idx="minor">
+            <a:schemeClr val="tx1"/>
+          </a:fontRef>
+        </p:style>
+      </p:cxnSp>
+      <p:cxnSp>
+        <p:nvCxnSpPr>
+          <p:cNvPr id="150" name="Shape 149"/>
+          <p:cNvCxnSpPr/>
+          <p:nvPr/>
+        </p:nvCxnSpPr>
+        <p:spPr>
+          <a:xfrm rot="5400000">
+            <a:off x="3374976" y="2096853"/>
+            <a:ext cx="2160241" cy="4104456"/>
+          </a:xfrm>
+          <a:prstGeom prst="bentConnector2">
+            <a:avLst/>
+          </a:prstGeom>
+          <a:ln>
+            <a:tailEnd type="arrow"/>
+          </a:ln>
+        </p:spPr>
+        <p:style>
+          <a:lnRef idx="1">
+            <a:schemeClr val="accent1"/>
+          </a:lnRef>
+          <a:fillRef idx="0">
+            <a:schemeClr val="accent1"/>
+          </a:fillRef>
+          <a:effectRef idx="0">
+            <a:schemeClr val="accent1"/>
+          </a:effectRef>
+          <a:fontRef idx="minor">
+            <a:schemeClr val="tx1"/>
+          </a:fontRef>
+        </p:style>
+      </p:cxnSp>
+      <p:sp>
+        <p:nvSpPr>
+          <p:cNvPr id="32" name="모서리가 둥근 직사각형 31"/>
+          <p:cNvSpPr/>
+          <p:nvPr/>
+        </p:nvSpPr>
+        <p:spPr>
+          <a:xfrm>
+            <a:off x="9937204" y="692696"/>
+            <a:ext cx="1368152" cy="1584176"/>
+          </a:xfrm>
+          <a:prstGeom prst="roundRect">
+            <a:avLst/>
+          </a:prstGeom>
+        </p:spPr>
+        <p:style>
+          <a:lnRef idx="2">
+            <a:schemeClr val="accent1">
+              <a:shade val="50000"/>
+            </a:schemeClr>
+          </a:lnRef>
+          <a:fillRef idx="1">
+            <a:schemeClr val="accent1"/>
+          </a:fillRef>
+          <a:effectRef idx="0">
+            <a:schemeClr val="accent1"/>
+          </a:effectRef>
+          <a:fontRef idx="minor">
+            <a:schemeClr val="lt1"/>
+          </a:fontRef>
+        </p:style>
+        <p:txBody>
+          <a:bodyPr rtlCol="0" anchor="ctr"/>
+          <a:lstStyle/>
+          <a:p>
+            <a:pPr algn="ctr"/>
+            <a:endParaRPr lang="ko-KR" altLang="en-US"/>
+          </a:p>
+        </p:txBody>
+      </p:sp>
+    </p:spTree>
+  </p:cSld>
+  <p:clrMapOvr>
+    <a:masterClrMapping/>
+  </p:clrMapOvr>
+  <p:timing>
+    <p:tnLst>
+      <p:par>
+        <p:cTn id="1" dur="indefinite" restart="never" nodeType="tmRoot"/>
+      </p:par>
+    </p:tnLst>
+  </p:timing>
+</p:sld>
+</file>
+
+<file path=ppt/slides/slide3.xml><?xml version="1.0" encoding="utf-8"?>
+<p:sld xmlns:a="http://schemas.openxmlformats.org/drawingml/2006/main" xmlns:r="http://schemas.openxmlformats.org/officeDocument/2006/relationships" xmlns:p="http://schemas.openxmlformats.org/presentationml/2006/main">
+  <p:cSld>
+    <p:spTree>
+      <p:nvGrpSpPr>
+        <p:cNvPr id="1" name=""/>
+        <p:cNvGrpSpPr/>
+        <p:nvPr/>
+      </p:nvGrpSpPr>
+      <p:grpSpPr>
+        <a:xfrm>
+          <a:off x="0" y="0"/>
+          <a:ext cx="0" cy="0"/>
+          <a:chOff x="0" y="0"/>
+          <a:chExt cx="0" cy="0"/>
+        </a:xfrm>
+      </p:grpSpPr>
+      <p:sp>
+        <p:nvSpPr>
+          <p:cNvPr id="101" name="직사각형 100"/>
+          <p:cNvSpPr/>
+          <p:nvPr/>
+        </p:nvSpPr>
+        <p:spPr>
+          <a:xfrm rot="10800000" flipV="1">
+            <a:off x="288132" y="692696"/>
+            <a:ext cx="8928992" cy="6048672"/>
+          </a:xfrm>
+          <a:prstGeom prst="rect">
+            <a:avLst/>
+          </a:prstGeom>
+          <a:noFill/>
+        </p:spPr>
+        <p:style>
+          <a:lnRef idx="2">
+            <a:schemeClr val="accent1">
+              <a:shade val="50000"/>
+            </a:schemeClr>
+          </a:lnRef>
+          <a:fillRef idx="1">
+            <a:schemeClr val="accent1"/>
+          </a:fillRef>
+          <a:effectRef idx="0">
+            <a:schemeClr val="accent1"/>
+          </a:effectRef>
+          <a:fontRef idx="minor">
+            <a:schemeClr val="lt1"/>
+          </a:fontRef>
+        </p:style>
+        <p:txBody>
+          <a:bodyPr lIns="0" tIns="0" rIns="0" bIns="0" rtlCol="0" anchor="ctr"/>
+          <a:lstStyle/>
+          <a:p>
+            <a:pPr algn="ctr"/>
+            <a:endParaRPr lang="ko-KR" altLang="en-US" sz="1200">
+              <a:solidFill>
+                <a:schemeClr val="tx1"/>
+              </a:solidFill>
+            </a:endParaRPr>
+          </a:p>
+        </p:txBody>
+      </p:sp>
+      <p:sp>
+        <p:nvSpPr>
+          <p:cNvPr id="102" name="직사각형 101"/>
+          <p:cNvSpPr/>
+          <p:nvPr/>
+        </p:nvSpPr>
+        <p:spPr>
+          <a:xfrm rot="10800000" flipV="1">
+            <a:off x="288132" y="332656"/>
+            <a:ext cx="8568952" cy="367423"/>
+          </a:xfrm>
+          <a:prstGeom prst="rect">
+            <a:avLst/>
+          </a:prstGeom>
+          <a:noFill/>
+          <a:ln>
+            <a:noFill/>
+          </a:ln>
+        </p:spPr>
+        <p:style>
+          <a:lnRef idx="2">
+            <a:schemeClr val="accent1">
+              <a:shade val="50000"/>
+            </a:schemeClr>
+          </a:lnRef>
+          <a:fillRef idx="1">
+            <a:schemeClr val="accent1"/>
+          </a:fillRef>
+          <a:effectRef idx="0">
+            <a:schemeClr val="accent1"/>
+          </a:effectRef>
+          <a:fontRef idx="minor">
+            <a:schemeClr val="lt1"/>
+          </a:fontRef>
+        </p:style>
+        <p:txBody>
+          <a:bodyPr lIns="0" tIns="0" rIns="0" bIns="0" rtlCol="0" anchor="ctr"/>
+          <a:lstStyle/>
+          <a:p>
+            <a:pPr algn="ctr"/>
+            <a:r>
+              <a:rPr lang="en-US" altLang="ko-KR" sz="1200" smtClean="0">
+                <a:solidFill>
+                  <a:schemeClr val="tx1"/>
+                </a:solidFill>
+              </a:rPr>
+              <a:t>DoOuput(aIndex)</a:t>
+            </a:r>
+            <a:endParaRPr lang="ko-KR" altLang="en-US" sz="1200">
+              <a:solidFill>
+                <a:schemeClr val="tx1"/>
+              </a:solidFill>
+            </a:endParaRPr>
+          </a:p>
+        </p:txBody>
+      </p:sp>
+      <p:sp>
+        <p:nvSpPr>
+          <p:cNvPr id="104" name="순서도: 수행의 시작/종료 103"/>
+          <p:cNvSpPr/>
+          <p:nvPr/>
+        </p:nvSpPr>
+        <p:spPr>
+          <a:xfrm>
+            <a:off x="1281754" y="836712"/>
+            <a:ext cx="2280854" cy="288032"/>
+          </a:xfrm>
+          <a:prstGeom prst="flowChartTerminator">
+            <a:avLst/>
+          </a:prstGeom>
+          <a:noFill/>
+        </p:spPr>
+        <p:style>
+          <a:lnRef idx="2">
+            <a:schemeClr val="accent1">
+              <a:shade val="50000"/>
+            </a:schemeClr>
+          </a:lnRef>
+          <a:fillRef idx="1">
+            <a:schemeClr val="accent1"/>
+          </a:fillRef>
+          <a:effectRef idx="0">
+            <a:schemeClr val="accent1"/>
+          </a:effectRef>
+          <a:fontRef idx="minor">
+            <a:schemeClr val="lt1"/>
+          </a:fontRef>
+        </p:style>
+        <p:txBody>
+          <a:bodyPr lIns="0" tIns="0" rIns="0" bIns="0" rtlCol="0" anchor="ctr"/>
+          <a:lstStyle/>
+          <a:p>
+            <a:pPr algn="ctr"/>
+            <a:r>
+              <a:rPr lang="en-US" altLang="ko-KR" sz="1000" smtClean="0">
+                <a:solidFill>
+                  <a:schemeClr val="tx1"/>
+                </a:solidFill>
+              </a:rPr>
+              <a:t>START</a:t>
+            </a:r>
+            <a:endParaRPr lang="ko-KR" altLang="en-US" sz="1000">
+              <a:solidFill>
+                <a:schemeClr val="tx1"/>
+              </a:solidFill>
+            </a:endParaRPr>
+          </a:p>
+        </p:txBody>
+      </p:sp>
+      <p:sp>
+        <p:nvSpPr>
+          <p:cNvPr id="105" name="순서도: 수행의 시작/종료 104"/>
+          <p:cNvSpPr/>
+          <p:nvPr/>
+        </p:nvSpPr>
+        <p:spPr>
+          <a:xfrm>
+            <a:off x="1282992" y="6381328"/>
+            <a:ext cx="2280854" cy="288032"/>
+          </a:xfrm>
+          <a:prstGeom prst="flowChartTerminator">
+            <a:avLst/>
+          </a:prstGeom>
+          <a:noFill/>
+        </p:spPr>
+        <p:style>
+          <a:lnRef idx="2">
+            <a:schemeClr val="accent1">
+              <a:shade val="50000"/>
+            </a:schemeClr>
+          </a:lnRef>
+          <a:fillRef idx="1">
+            <a:schemeClr val="accent1"/>
+          </a:fillRef>
+          <a:effectRef idx="0">
+            <a:schemeClr val="accent1"/>
+          </a:effectRef>
+          <a:fontRef idx="minor">
+            <a:schemeClr val="lt1"/>
+          </a:fontRef>
+        </p:style>
+        <p:txBody>
+          <a:bodyPr lIns="0" tIns="0" rIns="0" bIns="0" rtlCol="0" anchor="ctr"/>
+          <a:lstStyle/>
+          <a:p>
+            <a:pPr algn="ctr"/>
+            <a:r>
+              <a:rPr lang="en-US" altLang="ko-KR" sz="1000" smtClean="0">
+                <a:solidFill>
+                  <a:schemeClr val="tx1"/>
+                </a:solidFill>
+              </a:rPr>
+              <a:t>END</a:t>
+            </a:r>
+            <a:endParaRPr lang="ko-KR" altLang="en-US" sz="1000">
+              <a:solidFill>
+                <a:schemeClr val="tx1"/>
+              </a:solidFill>
+            </a:endParaRPr>
+          </a:p>
+        </p:txBody>
+      </p:sp>
+      <p:sp>
+        <p:nvSpPr>
+          <p:cNvPr id="109" name="직사각형 108"/>
+          <p:cNvSpPr/>
+          <p:nvPr/>
+        </p:nvSpPr>
+        <p:spPr>
+          <a:xfrm rot="10800000" flipV="1">
+            <a:off x="792188" y="3428999"/>
+            <a:ext cx="3240360" cy="432048"/>
+          </a:xfrm>
+          <a:prstGeom prst="rect">
+            <a:avLst/>
+          </a:prstGeom>
+          <a:noFill/>
+        </p:spPr>
+        <p:style>
+          <a:lnRef idx="2">
+            <a:schemeClr val="accent1">
+              <a:shade val="50000"/>
+            </a:schemeClr>
+          </a:lnRef>
+          <a:fillRef idx="1">
+            <a:schemeClr val="accent1"/>
+          </a:fillRef>
+          <a:effectRef idx="0">
+            <a:schemeClr val="accent1"/>
+          </a:effectRef>
+          <a:fontRef idx="minor">
+            <a:schemeClr val="lt1"/>
+          </a:fontRef>
+        </p:style>
+        <p:txBody>
+          <a:bodyPr lIns="0" tIns="0" rIns="0" bIns="0" rtlCol="0" anchor="ctr"/>
+          <a:lstStyle/>
+          <a:p>
+            <a:pPr algn="ctr"/>
+            <a:r>
+              <a:rPr lang="en-US" altLang="ko-KR" sz="1000" smtClean="0">
+                <a:solidFill>
+                  <a:schemeClr val="tx1"/>
+                </a:solidFill>
+              </a:rPr>
+              <a:t>StringGrid.RowCount = StringGrid.RowCount + 1</a:t>
+            </a:r>
+          </a:p>
+        </p:txBody>
+      </p:sp>
+      <p:sp>
+        <p:nvSpPr>
+          <p:cNvPr id="114" name="TextBox 113"/>
+          <p:cNvSpPr txBox="1"/>
+          <p:nvPr/>
+        </p:nvSpPr>
+        <p:spPr>
+          <a:xfrm>
+            <a:off x="288132" y="692696"/>
+            <a:ext cx="1296144" cy="246221"/>
+          </a:xfrm>
+          <a:prstGeom prst="rect">
+            <a:avLst/>
+          </a:prstGeom>
+          <a:noFill/>
+        </p:spPr>
+        <p:txBody>
+          <a:bodyPr wrap="square" rtlCol="0">
+            <a:spAutoFit/>
+          </a:bodyPr>
+          <a:lstStyle/>
+          <a:p>
+            <a:r>
+              <a:rPr lang="en-US" altLang="ko-KR" sz="1000" smtClean="0"/>
+              <a:t>aArrLeng : Int  </a:t>
+            </a:r>
+          </a:p>
+        </p:txBody>
+      </p:sp>
+      <p:cxnSp>
+        <p:nvCxnSpPr>
+          <p:cNvPr id="40" name="직선 화살표 연결선 39"/>
+          <p:cNvCxnSpPr>
+            <a:stCxn id="104" idx="2"/>
+            <a:endCxn id="61" idx="0"/>
+          </p:cNvCxnSpPr>
+          <p:nvPr/>
+        </p:nvCxnSpPr>
+        <p:spPr>
+          <a:xfrm>
+            <a:off x="2422181" y="1124744"/>
+            <a:ext cx="3752" cy="208159"/>
+          </a:xfrm>
+          <a:prstGeom prst="straightConnector1">
+            <a:avLst/>
+          </a:prstGeom>
+          <a:ln>
+            <a:tailEnd type="arrow"/>
+          </a:ln>
+        </p:spPr>
+        <p:style>
+          <a:lnRef idx="1">
+            <a:schemeClr val="accent1"/>
+          </a:lnRef>
+          <a:fillRef idx="0">
+            <a:schemeClr val="accent1"/>
+          </a:fillRef>
+          <a:effectRef idx="0">
+            <a:schemeClr val="accent1"/>
+          </a:effectRef>
+          <a:fontRef idx="minor">
+            <a:schemeClr val="tx1"/>
+          </a:fontRef>
+        </p:style>
+      </p:cxnSp>
+      <p:sp>
+        <p:nvSpPr>
+          <p:cNvPr id="51" name="순서도: 판단 50"/>
+          <p:cNvSpPr/>
+          <p:nvPr/>
+        </p:nvSpPr>
+        <p:spPr>
+          <a:xfrm>
+            <a:off x="669036" y="1766420"/>
+            <a:ext cx="3507528" cy="445070"/>
+          </a:xfrm>
+          <a:prstGeom prst="flowChartDecision">
+            <a:avLst/>
+          </a:prstGeom>
+          <a:noFill/>
+        </p:spPr>
+        <p:style>
+          <a:lnRef idx="2">
+            <a:schemeClr val="accent1">
+              <a:shade val="50000"/>
+            </a:schemeClr>
+          </a:lnRef>
+          <a:fillRef idx="1">
+            <a:schemeClr val="accent1"/>
+          </a:fillRef>
+          <a:effectRef idx="0">
+            <a:schemeClr val="accent1"/>
+          </a:effectRef>
+          <a:fontRef idx="minor">
+            <a:schemeClr val="lt1"/>
+          </a:fontRef>
+        </p:style>
+        <p:txBody>
+          <a:bodyPr lIns="0" tIns="9578" rIns="0" bIns="9578" rtlCol="0" anchor="ctr"/>
+          <a:lstStyle/>
+          <a:p>
+            <a:pPr algn="ctr"/>
+            <a:r>
+              <a:rPr lang="en-US" altLang="ko-KR" sz="1000" smtClean="0">
+                <a:solidFill>
+                  <a:schemeClr val="tx1"/>
+                </a:solidFill>
+              </a:rPr>
+              <a:t>aArrLeng &lt; </a:t>
+            </a:r>
+          </a:p>
+          <a:p>
+            <a:pPr algn="ctr"/>
+            <a:r>
+              <a:rPr lang="en-US" altLang="ko-KR" sz="1000" smtClean="0">
+                <a:solidFill>
+                  <a:schemeClr val="tx1"/>
+                </a:solidFill>
+              </a:rPr>
+              <a:t>StringGrid.RowCount -1</a:t>
+            </a:r>
+            <a:endParaRPr lang="ko-KR" altLang="en-US" sz="1000">
+              <a:solidFill>
+                <a:schemeClr val="tx1"/>
+              </a:solidFill>
+            </a:endParaRPr>
+          </a:p>
+        </p:txBody>
+      </p:sp>
+      <p:sp>
+        <p:nvSpPr>
+          <p:cNvPr id="54" name="직사각형 53"/>
+          <p:cNvSpPr/>
+          <p:nvPr/>
+        </p:nvSpPr>
+        <p:spPr>
+          <a:xfrm rot="10800000" flipV="1">
+            <a:off x="648173" y="4221088"/>
+            <a:ext cx="3528390" cy="864096"/>
+          </a:xfrm>
+          <a:prstGeom prst="rect">
+            <a:avLst/>
+          </a:prstGeom>
+          <a:noFill/>
+        </p:spPr>
+        <p:style>
+          <a:lnRef idx="2">
+            <a:schemeClr val="accent1">
+              <a:shade val="50000"/>
+            </a:schemeClr>
+          </a:lnRef>
+          <a:fillRef idx="1">
+            <a:schemeClr val="accent1"/>
+          </a:fillRef>
+          <a:effectRef idx="0">
+            <a:schemeClr val="accent1"/>
+          </a:effectRef>
+          <a:fontRef idx="minor">
+            <a:schemeClr val="lt1"/>
+          </a:fontRef>
+        </p:style>
+        <p:txBody>
+          <a:bodyPr lIns="0" tIns="0" rIns="0" bIns="0" rtlCol="0" anchor="ctr"/>
+          <a:lstStyle/>
+          <a:p>
+            <a:pPr algn="ctr"/>
+            <a:r>
+              <a:rPr lang="en-US" altLang="ko-KR" sz="1000" smtClean="0">
+                <a:solidFill>
+                  <a:schemeClr val="tx1"/>
+                </a:solidFill>
+              </a:rPr>
+              <a:t>StringGrid.Cells[0, aIndex+1]= StudentArr[aIndex].iName</a:t>
+            </a:r>
+          </a:p>
+          <a:p>
+            <a:pPr algn="ctr"/>
+            <a:r>
+              <a:rPr lang="en-US" altLang="ko-KR" sz="1000" smtClean="0">
+                <a:solidFill>
+                  <a:schemeClr val="tx1"/>
+                </a:solidFill>
+              </a:rPr>
+              <a:t>StringGrid.Cells[1, aIndex+1]= StudentArr[aIndex].iKor</a:t>
+            </a:r>
+            <a:endParaRPr lang="ko-KR" altLang="en-US" sz="1000" smtClean="0">
+              <a:solidFill>
+                <a:schemeClr val="tx1"/>
+              </a:solidFill>
+            </a:endParaRPr>
+          </a:p>
+          <a:p>
+            <a:pPr algn="ctr"/>
+            <a:r>
+              <a:rPr lang="en-US" altLang="ko-KR" sz="1000" smtClean="0">
+                <a:solidFill>
+                  <a:schemeClr val="tx1"/>
+                </a:solidFill>
+              </a:rPr>
+              <a:t>StringGrid.Cells[2, aIndex+1]= StudentArr[aIndex].iEng</a:t>
+            </a:r>
+            <a:endParaRPr lang="ko-KR" altLang="en-US" sz="1000" smtClean="0">
+              <a:solidFill>
+                <a:schemeClr val="tx1"/>
+              </a:solidFill>
+            </a:endParaRPr>
+          </a:p>
+          <a:p>
+            <a:pPr algn="ctr"/>
+            <a:r>
+              <a:rPr lang="en-US" altLang="ko-KR" sz="1000" smtClean="0">
+                <a:solidFill>
+                  <a:schemeClr val="tx1"/>
+                </a:solidFill>
+              </a:rPr>
+              <a:t>StringGrid.Cells[3, aIndex+1]= StudentArr[aIndex].iMath</a:t>
+            </a:r>
+            <a:endParaRPr lang="ko-KR" altLang="en-US" sz="1000" smtClean="0">
+              <a:solidFill>
+                <a:schemeClr val="tx1"/>
+              </a:solidFill>
+            </a:endParaRPr>
+          </a:p>
+          <a:p>
+            <a:pPr algn="ctr"/>
+            <a:r>
+              <a:rPr lang="en-US" altLang="ko-KR" sz="1000" smtClean="0">
+                <a:solidFill>
+                  <a:schemeClr val="tx1"/>
+                </a:solidFill>
+              </a:rPr>
+              <a:t>StringGrid.Cells[4, aIndex+1]= StudentArr[aIndex].iAvg</a:t>
+            </a:r>
+          </a:p>
+        </p:txBody>
+      </p:sp>
+      <p:sp>
+        <p:nvSpPr>
+          <p:cNvPr id="55" name="직사각형 54"/>
+          <p:cNvSpPr/>
+          <p:nvPr/>
+        </p:nvSpPr>
+        <p:spPr>
+          <a:xfrm rot="10800000" flipV="1">
+            <a:off x="4281227" y="1595671"/>
+            <a:ext cx="4392488" cy="792088"/>
+          </a:xfrm>
+          <a:prstGeom prst="rect">
+            <a:avLst/>
+          </a:prstGeom>
+          <a:noFill/>
+        </p:spPr>
+        <p:style>
+          <a:lnRef idx="2">
+            <a:schemeClr val="accent1">
+              <a:shade val="50000"/>
+            </a:schemeClr>
+          </a:lnRef>
+          <a:fillRef idx="1">
+            <a:schemeClr val="accent1"/>
+          </a:fillRef>
+          <a:effectRef idx="0">
+            <a:schemeClr val="accent1"/>
+          </a:effectRef>
+          <a:fontRef idx="minor">
+            <a:schemeClr val="lt1"/>
+          </a:fontRef>
+        </p:style>
+        <p:txBody>
+          <a:bodyPr lIns="0" tIns="0" rIns="0" bIns="0" rtlCol="0" anchor="ctr"/>
+          <a:lstStyle/>
+          <a:p>
+            <a:pPr algn="ctr"/>
+            <a:r>
+              <a:rPr lang="en-US" altLang="ko-KR" sz="1000" smtClean="0">
+                <a:solidFill>
+                  <a:schemeClr val="tx1"/>
+                </a:solidFill>
+              </a:rPr>
+              <a:t>StringGrid.Cells[0, aIndex+1]= StringGrid1.Cells[0, StringGrid1.RowCount-1]</a:t>
+            </a:r>
+          </a:p>
+          <a:p>
+            <a:pPr algn="ctr"/>
+            <a:r>
+              <a:rPr lang="en-US" altLang="ko-KR" sz="1000" smtClean="0">
+                <a:solidFill>
+                  <a:schemeClr val="tx1"/>
+                </a:solidFill>
+              </a:rPr>
+              <a:t>StringGrid.Cells[1, aIndex+1]= StringGrid1.Cells[1, StringGrid1.RowCount-1]</a:t>
+            </a:r>
+            <a:endParaRPr lang="ko-KR" altLang="en-US" sz="1000" smtClean="0">
+              <a:solidFill>
+                <a:schemeClr val="tx1"/>
+              </a:solidFill>
+            </a:endParaRPr>
+          </a:p>
+          <a:p>
+            <a:pPr algn="ctr"/>
+            <a:r>
+              <a:rPr lang="en-US" altLang="ko-KR" sz="1000" smtClean="0">
+                <a:solidFill>
+                  <a:schemeClr val="tx1"/>
+                </a:solidFill>
+              </a:rPr>
+              <a:t>StringGrid.Cells[2, aIndex+1]= StringGrid1.Cells[2, StringGrid1.RowCount-1]</a:t>
+            </a:r>
+            <a:endParaRPr lang="ko-KR" altLang="en-US" sz="1000" smtClean="0">
+              <a:solidFill>
+                <a:schemeClr val="tx1"/>
+              </a:solidFill>
+            </a:endParaRPr>
+          </a:p>
+          <a:p>
+            <a:pPr algn="ctr"/>
+            <a:r>
+              <a:rPr lang="en-US" altLang="ko-KR" sz="1000" smtClean="0">
+                <a:solidFill>
+                  <a:schemeClr val="tx1"/>
+                </a:solidFill>
+              </a:rPr>
+              <a:t>StringGrid.Cells[3, aIndex+1]= StringGrid1.Cells[3, StringGrid1.RowCount-1]</a:t>
+            </a:r>
+            <a:endParaRPr lang="ko-KR" altLang="en-US" sz="1000" smtClean="0">
+              <a:solidFill>
+                <a:schemeClr val="tx1"/>
+              </a:solidFill>
+            </a:endParaRPr>
+          </a:p>
+          <a:p>
+            <a:pPr algn="ctr"/>
+            <a:r>
+              <a:rPr lang="en-US" altLang="ko-KR" sz="1000" smtClean="0">
+                <a:solidFill>
+                  <a:schemeClr val="tx1"/>
+                </a:solidFill>
+              </a:rPr>
+              <a:t>StringGrid.Cells[4, aIndex+1]= StringGrid1.Cells[4, StringGrid1.RowCount-1]</a:t>
+            </a:r>
+          </a:p>
+        </p:txBody>
+      </p:sp>
+      <p:sp>
+        <p:nvSpPr>
+          <p:cNvPr id="57" name="TextBox 56"/>
+          <p:cNvSpPr txBox="1"/>
+          <p:nvPr/>
+        </p:nvSpPr>
+        <p:spPr>
+          <a:xfrm>
+            <a:off x="2160340" y="3212976"/>
+            <a:ext cx="216024" cy="153888"/>
+          </a:xfrm>
+          <a:prstGeom prst="rect">
+            <a:avLst/>
+          </a:prstGeom>
+          <a:noFill/>
+        </p:spPr>
+        <p:txBody>
+          <a:bodyPr wrap="square" lIns="0" tIns="0" rIns="0" bIns="0" rtlCol="0">
+            <a:spAutoFit/>
+          </a:bodyPr>
+          <a:lstStyle/>
+          <a:p>
+            <a:r>
+              <a:rPr lang="en-US" altLang="ko-KR" sz="1000" smtClean="0"/>
+              <a:t>Yes</a:t>
+            </a:r>
+          </a:p>
+        </p:txBody>
+      </p:sp>
+      <p:sp>
+        <p:nvSpPr>
+          <p:cNvPr id="61" name="직사각형 60"/>
+          <p:cNvSpPr/>
+          <p:nvPr/>
+        </p:nvSpPr>
+        <p:spPr>
+          <a:xfrm rot="10800000" flipV="1">
+            <a:off x="1237488" y="1332903"/>
+            <a:ext cx="2376890" cy="223888"/>
+          </a:xfrm>
+          <a:prstGeom prst="rect">
+            <a:avLst/>
+          </a:prstGeom>
+          <a:noFill/>
+        </p:spPr>
+        <p:style>
+          <a:lnRef idx="2">
+            <a:schemeClr val="accent1">
+              <a:shade val="50000"/>
+            </a:schemeClr>
+          </a:lnRef>
+          <a:fillRef idx="1">
+            <a:schemeClr val="accent1"/>
+          </a:fillRef>
+          <a:effectRef idx="0">
+            <a:schemeClr val="accent1"/>
+          </a:effectRef>
+          <a:fontRef idx="minor">
+            <a:schemeClr val="lt1"/>
+          </a:fontRef>
+        </p:style>
+        <p:txBody>
+          <a:bodyPr lIns="0" tIns="0" rIns="0" bIns="0" rtlCol="0" anchor="ctr"/>
+          <a:lstStyle/>
+          <a:p>
+            <a:pPr algn="ctr"/>
+            <a:r>
+              <a:rPr lang="en-US" altLang="ko-KR" sz="1000" smtClean="0">
+                <a:solidFill>
+                  <a:schemeClr val="tx1"/>
+                </a:solidFill>
+              </a:rPr>
+              <a:t>aArrLeng=Length(fStudentArr)</a:t>
+            </a:r>
+            <a:endParaRPr lang="ko-KR" altLang="en-US" sz="1000" dirty="0">
+              <a:solidFill>
+                <a:schemeClr val="tx1"/>
+              </a:solidFill>
+            </a:endParaRPr>
+          </a:p>
+        </p:txBody>
+      </p:sp>
+      <p:sp>
+        <p:nvSpPr>
+          <p:cNvPr id="65" name="순서도: 판단 64"/>
+          <p:cNvSpPr/>
+          <p:nvPr/>
+        </p:nvSpPr>
+        <p:spPr>
+          <a:xfrm>
+            <a:off x="669036" y="2780928"/>
+            <a:ext cx="3507528" cy="445070"/>
+          </a:xfrm>
+          <a:prstGeom prst="flowChartDecision">
+            <a:avLst/>
+          </a:prstGeom>
+          <a:noFill/>
+        </p:spPr>
+        <p:style>
+          <a:lnRef idx="2">
+            <a:schemeClr val="accent1">
+              <a:shade val="50000"/>
+            </a:schemeClr>
+          </a:lnRef>
+          <a:fillRef idx="1">
+            <a:schemeClr val="accent1"/>
+          </a:fillRef>
+          <a:effectRef idx="0">
+            <a:schemeClr val="accent1"/>
+          </a:effectRef>
+          <a:fontRef idx="minor">
+            <a:schemeClr val="lt1"/>
+          </a:fontRef>
+        </p:style>
+        <p:txBody>
+          <a:bodyPr lIns="0" tIns="9578" rIns="0" bIns="9578" rtlCol="0" anchor="ctr"/>
+          <a:lstStyle/>
+          <a:p>
+            <a:pPr algn="ctr"/>
+            <a:r>
+              <a:rPr lang="en-US" altLang="ko-KR" sz="1000" smtClean="0">
+                <a:solidFill>
+                  <a:schemeClr val="tx1"/>
+                </a:solidFill>
+              </a:rPr>
+              <a:t>aArrLeng &gt; StringGrid.RowCount -1</a:t>
+            </a:r>
+            <a:endParaRPr lang="ko-KR" altLang="en-US" sz="1000">
+              <a:solidFill>
+                <a:schemeClr val="tx1"/>
+              </a:solidFill>
+            </a:endParaRPr>
+          </a:p>
+        </p:txBody>
+      </p:sp>
+      <p:sp>
+        <p:nvSpPr>
+          <p:cNvPr id="66" name="TextBox 65"/>
+          <p:cNvSpPr txBox="1"/>
+          <p:nvPr/>
+        </p:nvSpPr>
+        <p:spPr>
+          <a:xfrm>
+            <a:off x="4104556" y="3140968"/>
+            <a:ext cx="216024" cy="153888"/>
+          </a:xfrm>
+          <a:prstGeom prst="rect">
+            <a:avLst/>
+          </a:prstGeom>
+          <a:noFill/>
+        </p:spPr>
+        <p:txBody>
+          <a:bodyPr wrap="square" lIns="0" tIns="0" rIns="0" bIns="0" rtlCol="0">
+            <a:spAutoFit/>
+          </a:bodyPr>
+          <a:lstStyle/>
+          <a:p>
+            <a:r>
+              <a:rPr lang="en-US" altLang="ko-KR" sz="1000" smtClean="0"/>
+              <a:t>No</a:t>
+            </a:r>
+          </a:p>
+        </p:txBody>
+      </p:sp>
+      <p:sp>
+        <p:nvSpPr>
+          <p:cNvPr id="67" name="TextBox 66"/>
+          <p:cNvSpPr txBox="1"/>
+          <p:nvPr/>
+        </p:nvSpPr>
+        <p:spPr>
+          <a:xfrm>
+            <a:off x="3744516" y="1772816"/>
+            <a:ext cx="504056" cy="153888"/>
+          </a:xfrm>
+          <a:prstGeom prst="rect">
+            <a:avLst/>
+          </a:prstGeom>
+          <a:noFill/>
+        </p:spPr>
+        <p:txBody>
+          <a:bodyPr wrap="square" lIns="0" tIns="0" rIns="0" bIns="0" rtlCol="0">
+            <a:spAutoFit/>
+          </a:bodyPr>
+          <a:lstStyle/>
+          <a:p>
+            <a:r>
+              <a:rPr lang="en-US" altLang="ko-KR" sz="1000" smtClean="0"/>
+              <a:t>Yes</a:t>
+            </a:r>
+          </a:p>
+        </p:txBody>
+      </p:sp>
+      <p:sp>
+        <p:nvSpPr>
+          <p:cNvPr id="68" name="직사각형 67"/>
+          <p:cNvSpPr/>
+          <p:nvPr/>
+        </p:nvSpPr>
+        <p:spPr>
+          <a:xfrm rot="10800000" flipV="1">
+            <a:off x="4608612" y="2636913"/>
+            <a:ext cx="3744416" cy="432048"/>
+          </a:xfrm>
+          <a:prstGeom prst="rect">
+            <a:avLst/>
+          </a:prstGeom>
+          <a:noFill/>
+        </p:spPr>
+        <p:style>
+          <a:lnRef idx="2">
+            <a:schemeClr val="accent1">
+              <a:shade val="50000"/>
+            </a:schemeClr>
+          </a:lnRef>
+          <a:fillRef idx="1">
+            <a:schemeClr val="accent1"/>
+          </a:fillRef>
+          <a:effectRef idx="0">
+            <a:schemeClr val="accent1"/>
+          </a:effectRef>
+          <a:fontRef idx="minor">
+            <a:schemeClr val="lt1"/>
+          </a:fontRef>
+        </p:style>
+        <p:txBody>
+          <a:bodyPr lIns="0" tIns="0" rIns="0" bIns="0" rtlCol="0" anchor="ctr"/>
+          <a:lstStyle/>
+          <a:p>
+            <a:pPr algn="ctr"/>
+            <a:r>
+              <a:rPr lang="en-US" altLang="ko-KR" sz="1000" smtClean="0">
+                <a:solidFill>
+                  <a:schemeClr val="tx1"/>
+                </a:solidFill>
+              </a:rPr>
+              <a:t>StringGrid.RowCount = StringGrid.RowCount - 1</a:t>
+            </a:r>
+          </a:p>
+        </p:txBody>
+      </p:sp>
+      <p:cxnSp>
+        <p:nvCxnSpPr>
+          <p:cNvPr id="75" name="직선 화살표 연결선 74"/>
+          <p:cNvCxnSpPr>
+            <a:stCxn id="51" idx="2"/>
+            <a:endCxn id="65" idx="0"/>
+          </p:cNvCxnSpPr>
+          <p:nvPr/>
+        </p:nvCxnSpPr>
+        <p:spPr>
+          <a:xfrm>
+            <a:off x="2422800" y="2211490"/>
+            <a:ext cx="0" cy="569438"/>
+          </a:xfrm>
+          <a:prstGeom prst="straightConnector1">
+            <a:avLst/>
+          </a:prstGeom>
+          <a:ln>
+            <a:tailEnd type="arrow"/>
+          </a:ln>
+        </p:spPr>
+        <p:style>
+          <a:lnRef idx="1">
+            <a:schemeClr val="accent1"/>
+          </a:lnRef>
+          <a:fillRef idx="0">
+            <a:schemeClr val="accent1"/>
+          </a:fillRef>
+          <a:effectRef idx="0">
+            <a:schemeClr val="accent1"/>
+          </a:effectRef>
+          <a:fontRef idx="minor">
+            <a:schemeClr val="tx1"/>
+          </a:fontRef>
+        </p:style>
+      </p:cxnSp>
+      <p:cxnSp>
+        <p:nvCxnSpPr>
+          <p:cNvPr id="77" name="직선 화살표 연결선 76"/>
+          <p:cNvCxnSpPr>
+            <a:stCxn id="51" idx="3"/>
+            <a:endCxn id="55" idx="3"/>
+          </p:cNvCxnSpPr>
+          <p:nvPr/>
+        </p:nvCxnSpPr>
+        <p:spPr>
+          <a:xfrm>
+            <a:off x="4176564" y="1988955"/>
+            <a:ext cx="104663" cy="2760"/>
+          </a:xfrm>
+          <a:prstGeom prst="straightConnector1">
+            <a:avLst/>
+          </a:prstGeom>
+          <a:ln>
+            <a:tailEnd type="arrow"/>
+          </a:ln>
+        </p:spPr>
+        <p:style>
+          <a:lnRef idx="1">
+            <a:schemeClr val="accent1"/>
+          </a:lnRef>
+          <a:fillRef idx="0">
+            <a:schemeClr val="accent1"/>
+          </a:fillRef>
+          <a:effectRef idx="0">
+            <a:schemeClr val="accent1"/>
+          </a:effectRef>
+          <a:fontRef idx="minor">
+            <a:schemeClr val="tx1"/>
+          </a:fontRef>
+        </p:style>
+      </p:cxnSp>
+      <p:cxnSp>
+        <p:nvCxnSpPr>
+          <p:cNvPr id="79" name="직선 화살표 연결선 78"/>
+          <p:cNvCxnSpPr>
+            <a:stCxn id="55" idx="2"/>
+            <a:endCxn id="68" idx="0"/>
+          </p:cNvCxnSpPr>
+          <p:nvPr/>
+        </p:nvCxnSpPr>
+        <p:spPr>
+          <a:xfrm>
+            <a:off x="6477471" y="2387759"/>
+            <a:ext cx="3349" cy="249154"/>
           </a:xfrm>
           <a:prstGeom prst="straightConnector1">
             <a:avLst/>
@@ -8274,34 +9578,18 @@
                   <a:schemeClr val="tx1"/>
                 </a:solidFill>
               </a:rPr>
-              <a:t>EngPanel.Caption=fSumArr[1</a:t>
-            </a:r>
+              <a:t>EngPanel.Caption=fSumArr[1]/aArrLeng</a:t>
+            </a:r>
+          </a:p>
+          <a:p>
+            <a:pPr algn="ctr"/>
             <a:r>
               <a:rPr lang="en-US" altLang="ko-KR" sz="1000" smtClean="0">
                 <a:solidFill>
                   <a:schemeClr val="tx1"/>
                 </a:solidFill>
               </a:rPr>
-              <a:t>]/aArrLeng</a:t>
-            </a:r>
-          </a:p>
-          <a:p>
-            <a:pPr algn="ctr"/>
-            <a:r>
-              <a:rPr lang="en-US" altLang="ko-KR" sz="1000" smtClean="0">
-                <a:solidFill>
-                  <a:schemeClr val="tx1"/>
-                </a:solidFill>
-              </a:rPr>
-              <a:t>Math.Caption=fSumArr[2</a:t>
-            </a:r>
-            <a:r>
-              <a:rPr lang="en-US" altLang="ko-KR" sz="1000" smtClean="0">
-                <a:solidFill>
-                  <a:schemeClr val="tx1"/>
-                </a:solidFill>
-              </a:rPr>
-              <a:t>]/aArrLeng</a:t>
+              <a:t>Math.Caption=fSumArr[2]/aArrLeng</a:t>
             </a:r>
           </a:p>
           <a:p>
@@ -8588,7 +9876,7 @@
 </p:sld>
 </file>
 
-<file path=ppt/slides/slide3.xml><?xml version="1.0" encoding="utf-8"?>
+<file path=ppt/slides/slide4.xml><?xml version="1.0" encoding="utf-8"?>
 <p:sld xmlns:a="http://schemas.openxmlformats.org/drawingml/2006/main" xmlns:r="http://schemas.openxmlformats.org/officeDocument/2006/relationships" xmlns:p="http://schemas.openxmlformats.org/presentationml/2006/main">
   <p:cSld>
     <p:spTree>
